--- a/Projeto_Cursos_Online/CHECK_LIST.pptx
+++ b/Projeto_Cursos_Online/CHECK_LIST.pptx
@@ -123,7 +123,7 @@
           <inkml:channelProperty channel="F" name="resolution" value="0" units="1/dev"/>
         </inkml:channelProperties>
       </inkml:inkSource>
-      <inkml:timestamp xml:id="ts0" timeString="2025-11-23T01:28:33.316"/>
+      <inkml:timestamp xml:id="ts0" timeString="2025-11-23T01:28:35.663"/>
     </inkml:context>
     <inkml:brush xml:id="br0">
       <inkml:brushProperty name="width" value="0.035" units="cm"/>
@@ -131,11 +131,683 @@
       <inkml:brushProperty name="color" value="#E71224"/>
     </inkml:brush>
   </inkml:definitions>
-  <inkml:trace contextRef="#ctx0" brushRef="#br0">0 545 24575,'1'-4'0,"0"0"0,0-1 0,0 1 0,1 0 0,-1 0 0,1 0 0,0 0 0,0 0 0,0 1 0,0-1 0,1 0 0,0 1 0,0 0 0,0-1 0,0 1 0,0 1 0,0-1 0,7-4 0,2-2 0,1 1 0,1 0 0,26-11 0,66-21 0,163-40 0,-212 66 0,-19 3 0,45-5 0,-44 9 0,64-20 0,18-4 0,72-14 0,-114 26 0,13-2 0,-31 8 0,0-2 0,77-32 0,-30 12-1365,-92 28-5461</inkml:trace>
+  <inkml:trace contextRef="#ctx0" brushRef="#br0">1 474 24575,'2'-4'0,"0"0"0,0 1 0,0-1 0,1 1 0,0 0 0,0 0 0,0 0 0,0 0 0,0 0 0,0 1 0,1 0 0,0-1 0,5-2 0,6-5 0,5-3 0,0 0 0,1 2 0,0 0 0,1 2 0,45-14 0,28-13 0,68-25 0,-111 45 0,0-3 0,59-32 0,-38 11-455,2 4 0,112-39 0,-170 70-6371</inkml:trace>
 </inkml:ink>
 </file>
 
 <file path=ppt/ink/ink10.xml><?xml version="1.0" encoding="utf-8"?>
+<inkml:ink xmlns:inkml="http://www.w3.org/2003/InkML">
+  <inkml:definitions>
+    <inkml:context xml:id="ctx0">
+      <inkml:inkSource xml:id="inkSrc0">
+        <inkml:traceFormat>
+          <inkml:channel name="X" type="integer" min="-2.14748E9" max="2.14748E9" units="cm"/>
+          <inkml:channel name="Y" type="integer" min="-2.14748E9" max="2.14748E9" units="cm"/>
+          <inkml:channel name="F" type="integer" max="32767" units="dev"/>
+        </inkml:traceFormat>
+        <inkml:channelProperties>
+          <inkml:channelProperty channel="X" name="resolution" value="1000" units="1/cm"/>
+          <inkml:channelProperty channel="Y" name="resolution" value="1000" units="1/cm"/>
+          <inkml:channelProperty channel="F" name="resolution" value="0" units="1/dev"/>
+        </inkml:channelProperties>
+      </inkml:inkSource>
+      <inkml:timestamp xml:id="ts0" timeString="2025-11-23T01:29:29.575"/>
+    </inkml:context>
+    <inkml:brush xml:id="br0">
+      <inkml:brushProperty name="width" value="0.035" units="cm"/>
+      <inkml:brushProperty name="height" value="0.035" units="cm"/>
+      <inkml:brushProperty name="color" value="#E71224"/>
+    </inkml:brush>
+  </inkml:definitions>
+  <inkml:trace contextRef="#ctx0" brushRef="#br0">0 3 24575,'38'-1'0,"-21"0"0,0 1 0,0 0 0,0 1 0,0 0 0,25 7 0,-38-7 0,0 0 0,-1 0 0,0 1 0,1-1 0,-1 1 0,0 0 0,0 0 0,0 0 0,0 1 0,0-1 0,-1 1 0,1-1 0,-1 1 0,1 0 0,-1 0 0,0 0 0,0 0 0,0 0 0,-1 1 0,1-1 0,-1 0 0,0 1 0,0-1 0,0 1 0,0 0 0,0-1 0,-1 1 0,0-1 0,0 1 0,0 7 0,-1-7 0,1 0 0,-1 1 0,0-1 0,0 0 0,0 0 0,0 0 0,-1 0 0,0 0 0,0-1 0,0 1 0,0-1 0,-4 6 0,-40 38 0,16-17 0,-2 5 0,-27 41 0,49-63-1365,-1-2-5461</inkml:trace>
+</inkml:ink>
+</file>
+
+<file path=ppt/ink/ink11.xml><?xml version="1.0" encoding="utf-8"?>
+<inkml:ink xmlns:inkml="http://www.w3.org/2003/InkML">
+  <inkml:definitions>
+    <inkml:context xml:id="ctx0">
+      <inkml:inkSource xml:id="inkSrc0">
+        <inkml:traceFormat>
+          <inkml:channel name="X" type="integer" min="-2.14748E9" max="2.14748E9" units="cm"/>
+          <inkml:channel name="Y" type="integer" min="-2.14748E9" max="2.14748E9" units="cm"/>
+          <inkml:channel name="F" type="integer" max="32767" units="dev"/>
+        </inkml:traceFormat>
+        <inkml:channelProperties>
+          <inkml:channelProperty channel="X" name="resolution" value="1000" units="1/cm"/>
+          <inkml:channelProperty channel="Y" name="resolution" value="1000" units="1/cm"/>
+          <inkml:channelProperty channel="F" name="resolution" value="0" units="1/dev"/>
+        </inkml:channelProperties>
+      </inkml:inkSource>
+      <inkml:timestamp xml:id="ts0" timeString="2025-11-23T01:29:30.325"/>
+    </inkml:context>
+    <inkml:brush xml:id="br0">
+      <inkml:brushProperty name="width" value="0.035" units="cm"/>
+      <inkml:brushProperty name="height" value="0.035" units="cm"/>
+      <inkml:brushProperty name="color" value="#E71224"/>
+    </inkml:brush>
+  </inkml:definitions>
+  <inkml:trace contextRef="#ctx0" brushRef="#br0">0 1 24575,'5'0'0,"0"4"0,5 2 0,-5-1 0</inkml:trace>
+</inkml:ink>
+</file>
+
+<file path=ppt/ink/ink12.xml><?xml version="1.0" encoding="utf-8"?>
+<inkml:ink xmlns:inkml="http://www.w3.org/2003/InkML">
+  <inkml:definitions>
+    <inkml:context xml:id="ctx0">
+      <inkml:inkSource xml:id="inkSrc0">
+        <inkml:traceFormat>
+          <inkml:channel name="X" type="integer" min="-2.14748E9" max="2.14748E9" units="cm"/>
+          <inkml:channel name="Y" type="integer" min="-2.14748E9" max="2.14748E9" units="cm"/>
+          <inkml:channel name="F" type="integer" max="32767" units="dev"/>
+        </inkml:traceFormat>
+        <inkml:channelProperties>
+          <inkml:channelProperty channel="X" name="resolution" value="1000" units="1/cm"/>
+          <inkml:channelProperty channel="Y" name="resolution" value="1000" units="1/cm"/>
+          <inkml:channelProperty channel="F" name="resolution" value="0" units="1/dev"/>
+        </inkml:channelProperties>
+      </inkml:inkSource>
+      <inkml:timestamp xml:id="ts0" timeString="2025-11-23T05:19:14.137"/>
+    </inkml:context>
+    <inkml:brush xml:id="br0">
+      <inkml:brushProperty name="width" value="0.035" units="cm"/>
+      <inkml:brushProperty name="height" value="0.035" units="cm"/>
+      <inkml:brushProperty name="color" value="#E71224"/>
+    </inkml:brush>
+  </inkml:definitions>
+  <inkml:trace contextRef="#ctx0" brushRef="#br0">1 325 24575,'9'0'0,"1"-2"0,-1 1 0,1-1 0,14-6 0,14-2 0,139-19 0,-45 4 0,-12 1 0,18-5 0,-50 9 0,-12-5 0,-16 4 0,52-12 0,67-15 0,-27 22 0,-52 7-1365,-79 16-5461</inkml:trace>
+</inkml:ink>
+</file>
+
+<file path=ppt/ink/ink13.xml><?xml version="1.0" encoding="utf-8"?>
+<inkml:ink xmlns:inkml="http://www.w3.org/2003/InkML">
+  <inkml:definitions>
+    <inkml:context xml:id="ctx0">
+      <inkml:inkSource xml:id="inkSrc0">
+        <inkml:traceFormat>
+          <inkml:channel name="X" type="integer" min="-2.14748E9" max="2.14748E9" units="cm"/>
+          <inkml:channel name="Y" type="integer" min="-2.14748E9" max="2.14748E9" units="cm"/>
+          <inkml:channel name="F" type="integer" max="32767" units="dev"/>
+        </inkml:traceFormat>
+        <inkml:channelProperties>
+          <inkml:channelProperty channel="X" name="resolution" value="1000" units="1/cm"/>
+          <inkml:channelProperty channel="Y" name="resolution" value="1000" units="1/cm"/>
+          <inkml:channelProperty channel="F" name="resolution" value="0" units="1/dev"/>
+        </inkml:channelProperties>
+      </inkml:inkSource>
+      <inkml:timestamp xml:id="ts0" timeString="2025-11-23T05:19:22.912"/>
+    </inkml:context>
+    <inkml:brush xml:id="br0">
+      <inkml:brushProperty name="width" value="0.035" units="cm"/>
+      <inkml:brushProperty name="height" value="0.035" units="cm"/>
+      <inkml:brushProperty name="color" value="#E71224"/>
+    </inkml:brush>
+  </inkml:definitions>
+  <inkml:trace contextRef="#ctx0" brushRef="#br0">0 639 24575,'4'-2'0,"0"0"0,-1-1 0,1 1 0,-1-1 0,0 1 0,0-1 0,0 0 0,0-1 0,-1 1 0,1 0 0,-1-1 0,1 1 0,1-7 0,7-5 0,18-20 0,1 2 0,2 1 0,1 1 0,56-38 0,-28 25 0,159-102 0,81-31-1365,-285 168-5461</inkml:trace>
+</inkml:ink>
+</file>
+
+<file path=ppt/ink/ink14.xml><?xml version="1.0" encoding="utf-8"?>
+<inkml:ink xmlns:inkml="http://www.w3.org/2003/InkML">
+  <inkml:definitions>
+    <inkml:context xml:id="ctx0">
+      <inkml:inkSource xml:id="inkSrc0">
+        <inkml:traceFormat>
+          <inkml:channel name="X" type="integer" min="-2.14748E9" max="2.14748E9" units="cm"/>
+          <inkml:channel name="Y" type="integer" min="-2.14748E9" max="2.14748E9" units="cm"/>
+          <inkml:channel name="F" type="integer" max="32767" units="dev"/>
+        </inkml:traceFormat>
+        <inkml:channelProperties>
+          <inkml:channelProperty channel="X" name="resolution" value="1000" units="1/cm"/>
+          <inkml:channelProperty channel="Y" name="resolution" value="1000" units="1/cm"/>
+          <inkml:channelProperty channel="F" name="resolution" value="0" units="1/dev"/>
+        </inkml:channelProperties>
+      </inkml:inkSource>
+      <inkml:timestamp xml:id="ts0" timeString="2025-11-23T05:19:24.800"/>
+    </inkml:context>
+    <inkml:brush xml:id="br0">
+      <inkml:brushProperty name="width" value="0.035" units="cm"/>
+      <inkml:brushProperty name="height" value="0.035" units="cm"/>
+      <inkml:brushProperty name="color" value="#E71224"/>
+    </inkml:brush>
+  </inkml:definitions>
+  <inkml:trace contextRef="#ctx0" brushRef="#br0">0 526 24575,'0'-4'0,"1"0"0,-1 0 0,1 0 0,0 0 0,0 0 0,0 0 0,0 0 0,1 0 0,-1 1 0,1-1 0,0 0 0,0 1 0,0 0 0,1-1 0,-1 1 0,1 0 0,6-5 0,3-2 0,0 1 0,1 1 0,21-11 0,17-11 0,-24 12 0,52-25 0,2-2 0,-46 25 0,40-17 0,22-12 0,-60 30 0,54-21 0,-51 23 0,48-26 0,-68 32-455,0 0 0,24-9 0,-27 15-6371</inkml:trace>
+</inkml:ink>
+</file>
+
+<file path=ppt/ink/ink15.xml><?xml version="1.0" encoding="utf-8"?>
+<inkml:ink xmlns:inkml="http://www.w3.org/2003/InkML">
+  <inkml:definitions>
+    <inkml:context xml:id="ctx0">
+      <inkml:inkSource xml:id="inkSrc0">
+        <inkml:traceFormat>
+          <inkml:channel name="X" type="integer" min="-2.14748E9" max="2.14748E9" units="cm"/>
+          <inkml:channel name="Y" type="integer" min="-2.14748E9" max="2.14748E9" units="cm"/>
+          <inkml:channel name="F" type="integer" max="32767" units="dev"/>
+        </inkml:traceFormat>
+        <inkml:channelProperties>
+          <inkml:channelProperty channel="X" name="resolution" value="1000" units="1/cm"/>
+          <inkml:channelProperty channel="Y" name="resolution" value="1000" units="1/cm"/>
+          <inkml:channelProperty channel="F" name="resolution" value="0" units="1/dev"/>
+        </inkml:channelProperties>
+      </inkml:inkSource>
+      <inkml:timestamp xml:id="ts0" timeString="2025-11-23T05:19:27.412"/>
+    </inkml:context>
+    <inkml:brush xml:id="br0">
+      <inkml:brushProperty name="width" value="0.035" units="cm"/>
+      <inkml:brushProperty name="height" value="0.035" units="cm"/>
+      <inkml:brushProperty name="color" value="#E71224"/>
+    </inkml:brush>
+  </inkml:definitions>
+  <inkml:trace contextRef="#ctx0" brushRef="#br0">1 126 24575,'53'-19'0,"6"7"0,-33 5 0,1 2 0,1 1 0,31-1 0,-34 5 0,0-1 0,0-1 0,37-8 0,-26 4 0,0 2 0,1 1 0,0 2 0,45 4 0,-31 0 0,61-6 0,15-21 0,0 1-1365,-108 21-5461</inkml:trace>
+</inkml:ink>
+</file>
+
+<file path=ppt/ink/ink16.xml><?xml version="1.0" encoding="utf-8"?>
+<inkml:ink xmlns:inkml="http://www.w3.org/2003/InkML">
+  <inkml:definitions>
+    <inkml:context xml:id="ctx0">
+      <inkml:inkSource xml:id="inkSrc0">
+        <inkml:traceFormat>
+          <inkml:channel name="X" type="integer" min="-2.14748E9" max="2.14748E9" units="cm"/>
+          <inkml:channel name="Y" type="integer" min="-2.14748E9" max="2.14748E9" units="cm"/>
+          <inkml:channel name="F" type="integer" max="32767" units="dev"/>
+        </inkml:traceFormat>
+        <inkml:channelProperties>
+          <inkml:channelProperty channel="X" name="resolution" value="1000" units="1/cm"/>
+          <inkml:channelProperty channel="Y" name="resolution" value="1000" units="1/cm"/>
+          <inkml:channelProperty channel="F" name="resolution" value="0" units="1/dev"/>
+        </inkml:channelProperties>
+      </inkml:inkSource>
+      <inkml:timestamp xml:id="ts0" timeString="2025-11-23T05:19:39.393"/>
+    </inkml:context>
+    <inkml:brush xml:id="br0">
+      <inkml:brushProperty name="width" value="0.035" units="cm"/>
+      <inkml:brushProperty name="height" value="0.035" units="cm"/>
+      <inkml:brushProperty name="color" value="#E71224"/>
+    </inkml:brush>
+  </inkml:definitions>
+  <inkml:trace contextRef="#ctx0" brushRef="#br0">1 197 24575,'0'-1'0,"1"0"0,-1 0 0,1-1 0,0 1 0,0 0 0,-1 0 0,1 0 0,0 0 0,0 0 0,0 0 0,0 0 0,0 0 0,0 0 0,1 0 0,-1 1 0,0-1 0,0 0 0,1 1 0,-1-1 0,0 1 0,3-1 0,36-11 0,-31 10 0,29-8 0,48-4 0,-29 5 0,-13 4 0,58-1 0,-60 5 0,72-11 0,-76 7 0,2 1 0,50 3 0,-49 1 0,78-9 0,-15-3-156,0 4-1,147 9 1,-89 2 43,-89-5 113,87-15 0,-59 8 243,23-3 96,51-14-1704,-153 22-5461</inkml:trace>
+</inkml:ink>
+</file>
+
+<file path=ppt/ink/ink17.xml><?xml version="1.0" encoding="utf-8"?>
+<inkml:ink xmlns:inkml="http://www.w3.org/2003/InkML">
+  <inkml:definitions>
+    <inkml:context xml:id="ctx0">
+      <inkml:inkSource xml:id="inkSrc0">
+        <inkml:traceFormat>
+          <inkml:channel name="X" type="integer" min="-2.14748E9" max="2.14748E9" units="cm"/>
+          <inkml:channel name="Y" type="integer" min="-2.14748E9" max="2.14748E9" units="cm"/>
+          <inkml:channel name="F" type="integer" max="32767" units="dev"/>
+        </inkml:traceFormat>
+        <inkml:channelProperties>
+          <inkml:channelProperty channel="X" name="resolution" value="1000" units="1/cm"/>
+          <inkml:channelProperty channel="Y" name="resolution" value="1000" units="1/cm"/>
+          <inkml:channelProperty channel="F" name="resolution" value="0" units="1/dev"/>
+        </inkml:channelProperties>
+      </inkml:inkSource>
+      <inkml:timestamp xml:id="ts0" timeString="2025-11-23T05:19:41.267"/>
+    </inkml:context>
+    <inkml:brush xml:id="br0">
+      <inkml:brushProperty name="width" value="0.035" units="cm"/>
+      <inkml:brushProperty name="height" value="0.035" units="cm"/>
+      <inkml:brushProperty name="color" value="#E71224"/>
+    </inkml:brush>
+  </inkml:definitions>
+  <inkml:trace contextRef="#ctx0" brushRef="#br0">1 863 24575,'0'-5'0,"1"-1"0,0 1 0,0 0 0,1 0 0,-1 0 0,1 0 0,0 1 0,0-1 0,1 0 0,5-7 0,38-46 0,-25 32 0,13-14 0,-15 17 0,25-37 0,-11 12 0,58-63 0,-18 22 0,-34 43 0,-26 31 0,0 0 0,-1 0 0,-1-1 0,13-23 0,-19 30 0,1 0 0,0 0 0,1 0 0,7-7 0,23-33 0,-28 33-74,2 0-1,19-22 0,-17 22-1066,-3 4-5685</inkml:trace>
+</inkml:ink>
+</file>
+
+<file path=ppt/ink/ink18.xml><?xml version="1.0" encoding="utf-8"?>
+<inkml:ink xmlns:inkml="http://www.w3.org/2003/InkML">
+  <inkml:definitions>
+    <inkml:context xml:id="ctx0">
+      <inkml:inkSource xml:id="inkSrc0">
+        <inkml:traceFormat>
+          <inkml:channel name="X" type="integer" min="-2.14748E9" max="2.14748E9" units="cm"/>
+          <inkml:channel name="Y" type="integer" min="-2.14748E9" max="2.14748E9" units="cm"/>
+          <inkml:channel name="F" type="integer" max="32767" units="dev"/>
+        </inkml:traceFormat>
+        <inkml:channelProperties>
+          <inkml:channelProperty channel="X" name="resolution" value="1000" units="1/cm"/>
+          <inkml:channelProperty channel="Y" name="resolution" value="1000" units="1/cm"/>
+          <inkml:channelProperty channel="F" name="resolution" value="0" units="1/dev"/>
+        </inkml:channelProperties>
+      </inkml:inkSource>
+      <inkml:timestamp xml:id="ts0" timeString="2025-11-23T05:19:43.443"/>
+    </inkml:context>
+    <inkml:brush xml:id="br0">
+      <inkml:brushProperty name="width" value="0.035" units="cm"/>
+      <inkml:brushProperty name="height" value="0.035" units="cm"/>
+      <inkml:brushProperty name="color" value="#E71224"/>
+    </inkml:brush>
+  </inkml:definitions>
+  <inkml:trace contextRef="#ctx0" brushRef="#br0">1 420 24575,'50'-1'0,"1"-3"0,-1-1 0,0-3 0,52-16 0,275-58 0,-343 74 0,66-24 0,-62 18 0,43-9 0,-39 12 0,80-33 0,-6 2 0,-91 33 0,1-2 0,-1 0 0,-1-1 0,41-29 0,5 10-1365,-55 24-5461</inkml:trace>
+</inkml:ink>
+</file>
+
+<file path=ppt/ink/ink19.xml><?xml version="1.0" encoding="utf-8"?>
+<inkml:ink xmlns:inkml="http://www.w3.org/2003/InkML">
+  <inkml:definitions>
+    <inkml:context xml:id="ctx0">
+      <inkml:inkSource xml:id="inkSrc0">
+        <inkml:traceFormat>
+          <inkml:channel name="X" type="integer" min="-2.14748E9" max="2.14748E9" units="cm"/>
+          <inkml:channel name="Y" type="integer" min="-2.14748E9" max="2.14748E9" units="cm"/>
+          <inkml:channel name="F" type="integer" max="32767" units="dev"/>
+        </inkml:traceFormat>
+        <inkml:channelProperties>
+          <inkml:channelProperty channel="X" name="resolution" value="1000" units="1/cm"/>
+          <inkml:channelProperty channel="Y" name="resolution" value="1000" units="1/cm"/>
+          <inkml:channelProperty channel="F" name="resolution" value="0" units="1/dev"/>
+        </inkml:channelProperties>
+      </inkml:inkSource>
+      <inkml:timestamp xml:id="ts0" timeString="2025-11-23T05:19:45.211"/>
+    </inkml:context>
+    <inkml:brush xml:id="br0">
+      <inkml:brushProperty name="width" value="0.035" units="cm"/>
+      <inkml:brushProperty name="height" value="0.035" units="cm"/>
+      <inkml:brushProperty name="color" value="#E71224"/>
+    </inkml:brush>
+  </inkml:definitions>
+  <inkml:trace contextRef="#ctx0" brushRef="#br0">1 437 24575,'11'-1'0,"-1"0"0,1-1 0,0 0 0,10-4 0,39-6 0,-34 8 0,-1 0 0,0-2 0,0 0 0,28-12 0,47-12 0,-34 12 0,120-50 0,-86 28 0,117-55 0,-166 75-455,-1-2 0,84-51 0,-121 64-6371</inkml:trace>
+</inkml:ink>
+</file>
+
+<file path=ppt/ink/ink2.xml><?xml version="1.0" encoding="utf-8"?>
+<inkml:ink xmlns:inkml="http://www.w3.org/2003/InkML">
+  <inkml:definitions>
+    <inkml:context xml:id="ctx0">
+      <inkml:inkSource xml:id="inkSrc0">
+        <inkml:traceFormat>
+          <inkml:channel name="X" type="integer" min="-2.14748E9" max="2.14748E9" units="cm"/>
+          <inkml:channel name="Y" type="integer" min="-2.14748E9" max="2.14748E9" units="cm"/>
+          <inkml:channel name="F" type="integer" max="32767" units="dev"/>
+        </inkml:traceFormat>
+        <inkml:channelProperties>
+          <inkml:channelProperty channel="X" name="resolution" value="1000" units="1/cm"/>
+          <inkml:channelProperty channel="Y" name="resolution" value="1000" units="1/cm"/>
+          <inkml:channelProperty channel="F" name="resolution" value="0" units="1/dev"/>
+        </inkml:channelProperties>
+      </inkml:inkSource>
+      <inkml:timestamp xml:id="ts0" timeString="2025-11-23T01:28:42.427"/>
+    </inkml:context>
+    <inkml:brush xml:id="br0">
+      <inkml:brushProperty name="width" value="0.035" units="cm"/>
+      <inkml:brushProperty name="height" value="0.035" units="cm"/>
+      <inkml:brushProperty name="color" value="#E71224"/>
+    </inkml:brush>
+  </inkml:definitions>
+  <inkml:trace contextRef="#ctx0" brushRef="#br0">1 414 24575,'11'-8'0,"0"0"0,1 1 0,1 0 0,-1 1 0,15-6 0,-10 5 0,104-37 0,8-3 0,-61 19 0,1 2 0,94-21 0,-61 11 0,-79 27 0,0 0 0,0 2 0,0 1 0,35-6 0,118-15 0,-152 23 0,0-2 0,33-11 0,16-4 0,-54 15-1365,-4 0-5461</inkml:trace>
+</inkml:ink>
+</file>
+
+<file path=ppt/ink/ink20.xml><?xml version="1.0" encoding="utf-8"?>
+<inkml:ink xmlns:inkml="http://www.w3.org/2003/InkML">
+  <inkml:definitions>
+    <inkml:context xml:id="ctx0">
+      <inkml:inkSource xml:id="inkSrc0">
+        <inkml:traceFormat>
+          <inkml:channel name="X" type="integer" min="-2.14748E9" max="2.14748E9" units="cm"/>
+          <inkml:channel name="Y" type="integer" min="-2.14748E9" max="2.14748E9" units="cm"/>
+          <inkml:channel name="F" type="integer" max="32767" units="dev"/>
+        </inkml:traceFormat>
+        <inkml:channelProperties>
+          <inkml:channelProperty channel="X" name="resolution" value="1000" units="1/cm"/>
+          <inkml:channelProperty channel="Y" name="resolution" value="1000" units="1/cm"/>
+          <inkml:channelProperty channel="F" name="resolution" value="0" units="1/dev"/>
+        </inkml:channelProperties>
+      </inkml:inkSource>
+      <inkml:timestamp xml:id="ts0" timeString="2025-11-23T05:19:58.734"/>
+    </inkml:context>
+    <inkml:brush xml:id="br0">
+      <inkml:brushProperty name="width" value="0.035" units="cm"/>
+      <inkml:brushProperty name="height" value="0.035" units="cm"/>
+      <inkml:brushProperty name="color" value="#E71224"/>
+    </inkml:brush>
+  </inkml:definitions>
+  <inkml:trace contextRef="#ctx0" brushRef="#br0">1 323 24575,'10'-7'0,"0"1"0,0 0 0,0 0 0,1 1 0,0 0 0,0 1 0,20-5 0,6-3 0,89-34 0,-91 32 0,1 1 0,47-9 0,2-2 0,257-107 0,-325 124-1365,-1 2-5461</inkml:trace>
+</inkml:ink>
+</file>
+
+<file path=ppt/ink/ink21.xml><?xml version="1.0" encoding="utf-8"?>
+<inkml:ink xmlns:inkml="http://www.w3.org/2003/InkML">
+  <inkml:definitions>
+    <inkml:context xml:id="ctx0">
+      <inkml:inkSource xml:id="inkSrc0">
+        <inkml:traceFormat>
+          <inkml:channel name="X" type="integer" min="-2.14748E9" max="2.14748E9" units="cm"/>
+          <inkml:channel name="Y" type="integer" min="-2.14748E9" max="2.14748E9" units="cm"/>
+          <inkml:channel name="F" type="integer" max="32767" units="dev"/>
+        </inkml:traceFormat>
+        <inkml:channelProperties>
+          <inkml:channelProperty channel="X" name="resolution" value="1000" units="1/cm"/>
+          <inkml:channelProperty channel="Y" name="resolution" value="1000" units="1/cm"/>
+          <inkml:channelProperty channel="F" name="resolution" value="0" units="1/dev"/>
+        </inkml:channelProperties>
+      </inkml:inkSource>
+      <inkml:timestamp xml:id="ts0" timeString="2025-11-23T05:20:00.275"/>
+    </inkml:context>
+    <inkml:brush xml:id="br0">
+      <inkml:brushProperty name="width" value="0.035" units="cm"/>
+      <inkml:brushProperty name="height" value="0.035" units="cm"/>
+      <inkml:brushProperty name="color" value="#E71224"/>
+    </inkml:brush>
+  </inkml:definitions>
+  <inkml:trace contextRef="#ctx0" brushRef="#br0">0 419 24575,'10'-1'0,"0"-1"0,0 0 0,-1-1 0,1-1 0,-1 1 0,0-1 0,0-1 0,0 0 0,-1 0 0,11-8 0,48-24 0,16 9 0,39-16 0,-22 8 0,-68 26 0,-1-1 0,53-27 0,-57 24 0,1 2 0,1 1 0,0 1 0,33-6 0,-25 6 0,70-27 0,17-13-1365,-110 43-5461</inkml:trace>
+</inkml:ink>
+</file>
+
+<file path=ppt/ink/ink22.xml><?xml version="1.0" encoding="utf-8"?>
+<inkml:ink xmlns:inkml="http://www.w3.org/2003/InkML">
+  <inkml:definitions>
+    <inkml:context xml:id="ctx0">
+      <inkml:inkSource xml:id="inkSrc0">
+        <inkml:traceFormat>
+          <inkml:channel name="X" type="integer" min="-2.14748E9" max="2.14748E9" units="cm"/>
+          <inkml:channel name="Y" type="integer" min="-2.14748E9" max="2.14748E9" units="cm"/>
+          <inkml:channel name="F" type="integer" max="32767" units="dev"/>
+        </inkml:traceFormat>
+        <inkml:channelProperties>
+          <inkml:channelProperty channel="X" name="resolution" value="1000" units="1/cm"/>
+          <inkml:channelProperty channel="Y" name="resolution" value="1000" units="1/cm"/>
+          <inkml:channelProperty channel="F" name="resolution" value="0" units="1/dev"/>
+        </inkml:channelProperties>
+      </inkml:inkSource>
+      <inkml:timestamp xml:id="ts0" timeString="2025-11-23T05:20:05.883"/>
+    </inkml:context>
+    <inkml:brush xml:id="br0">
+      <inkml:brushProperty name="width" value="0.035" units="cm"/>
+      <inkml:brushProperty name="height" value="0.035" units="cm"/>
+      <inkml:brushProperty name="color" value="#E71224"/>
+    </inkml:brush>
+  </inkml:definitions>
+  <inkml:trace contextRef="#ctx0" brushRef="#br0">1 435 24575,'5'-1'0,"-1"0"0,0-1 0,1 1 0,-1-1 0,0 0 0,0 0 0,0-1 0,6-4 0,10-5 0,264-106 0,-195 79 0,-40 19 0,-1-2 0,-1-2 0,-1-2 0,73-54 0,-30 18-1365,-78 51-5461</inkml:trace>
+</inkml:ink>
+</file>
+
+<file path=ppt/ink/ink23.xml><?xml version="1.0" encoding="utf-8"?>
+<inkml:ink xmlns:inkml="http://www.w3.org/2003/InkML">
+  <inkml:definitions>
+    <inkml:context xml:id="ctx0">
+      <inkml:inkSource xml:id="inkSrc0">
+        <inkml:traceFormat>
+          <inkml:channel name="X" type="integer" min="-2.14748E9" max="2.14748E9" units="cm"/>
+          <inkml:channel name="Y" type="integer" min="-2.14748E9" max="2.14748E9" units="cm"/>
+          <inkml:channel name="F" type="integer" max="32767" units="dev"/>
+        </inkml:traceFormat>
+        <inkml:channelProperties>
+          <inkml:channelProperty channel="X" name="resolution" value="1000" units="1/cm"/>
+          <inkml:channelProperty channel="Y" name="resolution" value="1000" units="1/cm"/>
+          <inkml:channelProperty channel="F" name="resolution" value="0" units="1/dev"/>
+        </inkml:channelProperties>
+      </inkml:inkSource>
+      <inkml:timestamp xml:id="ts0" timeString="2025-11-23T05:20:07.538"/>
+    </inkml:context>
+    <inkml:brush xml:id="br0">
+      <inkml:brushProperty name="width" value="0.035" units="cm"/>
+      <inkml:brushProperty name="height" value="0.035" units="cm"/>
+      <inkml:brushProperty name="color" value="#E71224"/>
+    </inkml:brush>
+  </inkml:definitions>
+  <inkml:trace contextRef="#ctx0" brushRef="#br0">1 555 24575,'4'-1'0,"1"0"0,-1 0 0,0-1 0,1 0 0,-1 0 0,0 0 0,0 0 0,6-5 0,10-6 0,26-7 0,-28 13 0,0 0 0,0-2 0,-1 0 0,30-23 0,-30 20 0,0 1 0,1 1 0,0 0 0,22-7 0,45-26 0,60-33 0,-33 19 0,4 1 0,-76 38 0,72-43 0,-95 50-94,-10 7-88,0 0 1,0-1-1,0 0 1,-1-1-1,0 1 0,7-9 1,-4 1-6645</inkml:trace>
+</inkml:ink>
+</file>
+
+<file path=ppt/ink/ink24.xml><?xml version="1.0" encoding="utf-8"?>
+<inkml:ink xmlns:inkml="http://www.w3.org/2003/InkML">
+  <inkml:definitions>
+    <inkml:context xml:id="ctx0">
+      <inkml:inkSource xml:id="inkSrc0">
+        <inkml:traceFormat>
+          <inkml:channel name="X" type="integer" min="-2.14748E9" max="2.14748E9" units="cm"/>
+          <inkml:channel name="Y" type="integer" min="-2.14748E9" max="2.14748E9" units="cm"/>
+          <inkml:channel name="F" type="integer" max="32767" units="dev"/>
+        </inkml:traceFormat>
+        <inkml:channelProperties>
+          <inkml:channelProperty channel="X" name="resolution" value="1000" units="1/cm"/>
+          <inkml:channelProperty channel="Y" name="resolution" value="1000" units="1/cm"/>
+          <inkml:channelProperty channel="F" name="resolution" value="0" units="1/dev"/>
+        </inkml:channelProperties>
+      </inkml:inkSource>
+      <inkml:timestamp xml:id="ts0" timeString="2025-11-23T05:20:12.686"/>
+    </inkml:context>
+    <inkml:brush xml:id="br0">
+      <inkml:brushProperty name="width" value="0.035" units="cm"/>
+      <inkml:brushProperty name="height" value="0.035" units="cm"/>
+      <inkml:brushProperty name="color" value="#E71224"/>
+    </inkml:brush>
+  </inkml:definitions>
+  <inkml:trace contextRef="#ctx0" brushRef="#br0">1 419 24575,'11'-1'0,"-1"0"0,1-1 0,-1 0 0,1-1 0,-1-1 0,16-7 0,41-10 0,-18 9 0,0-2 0,0-3 0,55-26 0,73-24 0,-151 58 0,-1-2 0,0-1 0,31-18 0,31-16 0,-62 33 41,0-1 0,28-20-1,11-8-1527,-48 33-5339</inkml:trace>
+</inkml:ink>
+</file>
+
+<file path=ppt/ink/ink25.xml><?xml version="1.0" encoding="utf-8"?>
+<inkml:ink xmlns:inkml="http://www.w3.org/2003/InkML">
+  <inkml:definitions>
+    <inkml:context xml:id="ctx0">
+      <inkml:inkSource xml:id="inkSrc0">
+        <inkml:traceFormat>
+          <inkml:channel name="X" type="integer" min="-2.14748E9" max="2.14748E9" units="cm"/>
+          <inkml:channel name="Y" type="integer" min="-2.14748E9" max="2.14748E9" units="cm"/>
+          <inkml:channel name="F" type="integer" max="32767" units="dev"/>
+        </inkml:traceFormat>
+        <inkml:channelProperties>
+          <inkml:channelProperty channel="X" name="resolution" value="1000" units="1/cm"/>
+          <inkml:channelProperty channel="Y" name="resolution" value="1000" units="1/cm"/>
+          <inkml:channelProperty channel="F" name="resolution" value="0" units="1/dev"/>
+        </inkml:channelProperties>
+      </inkml:inkSource>
+      <inkml:timestamp xml:id="ts0" timeString="2025-11-23T05:20:14.545"/>
+    </inkml:context>
+    <inkml:brush xml:id="br0">
+      <inkml:brushProperty name="width" value="0.035" units="cm"/>
+      <inkml:brushProperty name="height" value="0.035" units="cm"/>
+      <inkml:brushProperty name="color" value="#E71224"/>
+    </inkml:brush>
+  </inkml:definitions>
+  <inkml:trace contextRef="#ctx0" brushRef="#br0">0 596 24575,'2'-7'0,"1"0"0,0 0 0,0 1 0,0-1 0,0 1 0,1 0 0,6-7 0,-7 8 0,8-10 0,2 0 0,-1 1 0,2 1 0,0 0 0,0 1 0,1 0 0,1 1 0,0 1 0,27-14 0,11-11 0,-40 25 0,0 0 0,27-13 0,130-57 0,-144 69 0,0 1 0,47-9 0,-48 13 0,-1-1 0,0-1 0,41-18 0,82-40 109,13-8-1583,-147 67-5352</inkml:trace>
+</inkml:ink>
+</file>
+
+<file path=ppt/ink/ink26.xml><?xml version="1.0" encoding="utf-8"?>
+<inkml:ink xmlns:inkml="http://www.w3.org/2003/InkML">
+  <inkml:definitions>
+    <inkml:context xml:id="ctx0">
+      <inkml:inkSource xml:id="inkSrc0">
+        <inkml:traceFormat>
+          <inkml:channel name="X" type="integer" min="-2.14748E9" max="2.14748E9" units="cm"/>
+          <inkml:channel name="Y" type="integer" min="-2.14748E9" max="2.14748E9" units="cm"/>
+          <inkml:channel name="F" type="integer" max="32767" units="dev"/>
+        </inkml:traceFormat>
+        <inkml:channelProperties>
+          <inkml:channelProperty channel="X" name="resolution" value="1000" units="1/cm"/>
+          <inkml:channelProperty channel="Y" name="resolution" value="1000" units="1/cm"/>
+          <inkml:channelProperty channel="F" name="resolution" value="0" units="1/dev"/>
+        </inkml:channelProperties>
+      </inkml:inkSource>
+      <inkml:timestamp xml:id="ts0" timeString="2025-11-23T05:20:18.176"/>
+    </inkml:context>
+    <inkml:brush xml:id="br0">
+      <inkml:brushProperty name="width" value="0.035" units="cm"/>
+      <inkml:brushProperty name="height" value="0.035" units="cm"/>
+      <inkml:brushProperty name="color" value="#E71224"/>
+    </inkml:brush>
+  </inkml:definitions>
+  <inkml:trace contextRef="#ctx0" brushRef="#br0">1 476 24575,'4'-2'0,"0"1"0,0-1 0,-1 0 0,1 0 0,0 0 0,-1 0 0,0-1 0,1 1 0,4-6 0,9-5 0,18-6 0,62-25 0,-88 41 0,51-25 0,-35 15 0,47-15 0,-29 13 0,55-28 0,-55 23 0,47-15 0,-56 21 0,0-1 0,0-1 0,33-23 0,-10 6 0,-42 24-117,13-6-299,0 0 0,35-12 0,-46 22-6410</inkml:trace>
+</inkml:ink>
+</file>
+
+<file path=ppt/ink/ink27.xml><?xml version="1.0" encoding="utf-8"?>
+<inkml:ink xmlns:inkml="http://www.w3.org/2003/InkML">
+  <inkml:definitions>
+    <inkml:context xml:id="ctx0">
+      <inkml:inkSource xml:id="inkSrc0">
+        <inkml:traceFormat>
+          <inkml:channel name="X" type="integer" min="-2.14748E9" max="2.14748E9" units="cm"/>
+          <inkml:channel name="Y" type="integer" min="-2.14748E9" max="2.14748E9" units="cm"/>
+          <inkml:channel name="F" type="integer" max="32767" units="dev"/>
+        </inkml:traceFormat>
+        <inkml:channelProperties>
+          <inkml:channelProperty channel="X" name="resolution" value="1000" units="1/cm"/>
+          <inkml:channelProperty channel="Y" name="resolution" value="1000" units="1/cm"/>
+          <inkml:channelProperty channel="F" name="resolution" value="0" units="1/dev"/>
+        </inkml:channelProperties>
+      </inkml:inkSource>
+      <inkml:timestamp xml:id="ts0" timeString="2025-11-23T05:20:31.455"/>
+    </inkml:context>
+    <inkml:brush xml:id="br0">
+      <inkml:brushProperty name="width" value="0.035" units="cm"/>
+      <inkml:brushProperty name="height" value="0.035" units="cm"/>
+      <inkml:brushProperty name="color" value="#E71224"/>
+    </inkml:brush>
+  </inkml:definitions>
+  <inkml:trace contextRef="#ctx0" brushRef="#br0">1 344 24575,'4'-2'0,"-1"1"0,1-1 0,0 0 0,-1 0 0,1 0 0,-1-1 0,0 1 0,5-5 0,8-6 0,15-3 0,1 1 0,1 2 0,45-13 0,-2 1 0,-2 1 0,79-13 0,-101 28 0,-34 6 0,1 0 0,-1-1 0,-1-1 0,26-10 0,-16 5 0,0 2 0,1 1 0,0 1 0,37-3 0,-55 8 0,266-50 0,-236 37-1365,-23 8-5461</inkml:trace>
+</inkml:ink>
+</file>
+
+<file path=ppt/ink/ink28.xml><?xml version="1.0" encoding="utf-8"?>
+<inkml:ink xmlns:inkml="http://www.w3.org/2003/InkML">
+  <inkml:definitions>
+    <inkml:context xml:id="ctx0">
+      <inkml:inkSource xml:id="inkSrc0">
+        <inkml:traceFormat>
+          <inkml:channel name="X" type="integer" min="-2.14748E9" max="2.14748E9" units="cm"/>
+          <inkml:channel name="Y" type="integer" min="-2.14748E9" max="2.14748E9" units="cm"/>
+          <inkml:channel name="F" type="integer" max="32767" units="dev"/>
+        </inkml:traceFormat>
+        <inkml:channelProperties>
+          <inkml:channelProperty channel="X" name="resolution" value="1000" units="1/cm"/>
+          <inkml:channelProperty channel="Y" name="resolution" value="1000" units="1/cm"/>
+          <inkml:channelProperty channel="F" name="resolution" value="0" units="1/dev"/>
+        </inkml:channelProperties>
+      </inkml:inkSource>
+      <inkml:timestamp xml:id="ts0" timeString="2025-11-23T05:20:33.550"/>
+    </inkml:context>
+    <inkml:brush xml:id="br0">
+      <inkml:brushProperty name="width" value="0.035" units="cm"/>
+      <inkml:brushProperty name="height" value="0.035" units="cm"/>
+      <inkml:brushProperty name="color" value="#E71224"/>
+    </inkml:brush>
+  </inkml:definitions>
+  <inkml:trace contextRef="#ctx0" brushRef="#br0">0 444 24575,'3'0'0,"0"-1"0,0 0 0,0-1 0,-1 1 0,1 0 0,0-1 0,-1 1 0,1-1 0,-1 0 0,0 0 0,4-3 0,18-13 0,-8 13 0,0 1 0,0 0 0,31-3 0,10-2 0,-12 0 0,-1-1 0,0-3 0,-1-2 0,44-21 0,99-46 0,-66 37 0,-83 33 0,-1-1 0,69-37 0,-81 38 30,0 1 0,1 1 0,48-12 0,20-9-1515,-77 25-5341</inkml:trace>
+</inkml:ink>
+</file>
+
+<file path=ppt/ink/ink29.xml><?xml version="1.0" encoding="utf-8"?>
+<inkml:ink xmlns:inkml="http://www.w3.org/2003/InkML">
+  <inkml:definitions>
+    <inkml:context xml:id="ctx0">
+      <inkml:inkSource xml:id="inkSrc0">
+        <inkml:traceFormat>
+          <inkml:channel name="X" type="integer" min="-2.14748E9" max="2.14748E9" units="cm"/>
+          <inkml:channel name="Y" type="integer" min="-2.14748E9" max="2.14748E9" units="cm"/>
+          <inkml:channel name="F" type="integer" max="32767" units="dev"/>
+        </inkml:traceFormat>
+        <inkml:channelProperties>
+          <inkml:channelProperty channel="X" name="resolution" value="1000" units="1/cm"/>
+          <inkml:channelProperty channel="Y" name="resolution" value="1000" units="1/cm"/>
+          <inkml:channelProperty channel="F" name="resolution" value="0" units="1/dev"/>
+        </inkml:channelProperties>
+      </inkml:inkSource>
+      <inkml:timestamp xml:id="ts0" timeString="2025-11-23T05:20:45.003"/>
+    </inkml:context>
+    <inkml:brush xml:id="br0">
+      <inkml:brushProperty name="width" value="0.035" units="cm"/>
+      <inkml:brushProperty name="height" value="0.035" units="cm"/>
+      <inkml:brushProperty name="color" value="#E71224"/>
+    </inkml:brush>
+  </inkml:definitions>
+  <inkml:trace contextRef="#ctx0" brushRef="#br0">1 445 24575,'34'-3'0,"1"-2"0,-1-2 0,0-1 0,-1-1 0,59-26 0,-45 17 0,97-22 0,-111 31 0,0-1 0,0-2 0,58-29 0,-63 28 0,26-10 0,-27 12 0,47-27 0,-31 15 0,1 1 0,84-27 0,-97 37 0,144-39-1365,-159 46-5461</inkml:trace>
+</inkml:ink>
+</file>
+
+<file path=ppt/ink/ink3.xml><?xml version="1.0" encoding="utf-8"?>
+<inkml:ink xmlns:inkml="http://www.w3.org/2003/InkML">
+  <inkml:definitions>
+    <inkml:context xml:id="ctx0">
+      <inkml:inkSource xml:id="inkSrc0">
+        <inkml:traceFormat>
+          <inkml:channel name="X" type="integer" min="-2.14748E9" max="2.14748E9" units="cm"/>
+          <inkml:channel name="Y" type="integer" min="-2.14748E9" max="2.14748E9" units="cm"/>
+          <inkml:channel name="F" type="integer" max="32767" units="dev"/>
+        </inkml:traceFormat>
+        <inkml:channelProperties>
+          <inkml:channelProperty channel="X" name="resolution" value="1000" units="1/cm"/>
+          <inkml:channelProperty channel="Y" name="resolution" value="1000" units="1/cm"/>
+          <inkml:channelProperty channel="F" name="resolution" value="0" units="1/dev"/>
+        </inkml:channelProperties>
+      </inkml:inkSource>
+      <inkml:timestamp xml:id="ts0" timeString="2025-11-23T01:28:47.459"/>
+    </inkml:context>
+    <inkml:brush xml:id="br0">
+      <inkml:brushProperty name="width" value="0.035" units="cm"/>
+      <inkml:brushProperty name="height" value="0.035" units="cm"/>
+      <inkml:brushProperty name="color" value="#E71224"/>
+    </inkml:brush>
+  </inkml:definitions>
+  <inkml:trace contextRef="#ctx0" brushRef="#br0">0 313 24575,'53'-19'0,"87"-19"0,-5 1 0,-58 23 0,148-33 0,77-45 0,-270 82 7,45-19-1,-33 11-1384,-24 10-5448</inkml:trace>
+</inkml:ink>
+</file>
+
+<file path=ppt/ink/ink30.xml><?xml version="1.0" encoding="utf-8"?>
+<inkml:ink xmlns:inkml="http://www.w3.org/2003/InkML">
+  <inkml:definitions>
+    <inkml:context xml:id="ctx0">
+      <inkml:inkSource xml:id="inkSrc0">
+        <inkml:traceFormat>
+          <inkml:channel name="X" type="integer" min="-2.14748E9" max="2.14748E9" units="cm"/>
+          <inkml:channel name="Y" type="integer" min="-2.14748E9" max="2.14748E9" units="cm"/>
+          <inkml:channel name="F" type="integer" max="32767" units="dev"/>
+        </inkml:traceFormat>
+        <inkml:channelProperties>
+          <inkml:channelProperty channel="X" name="resolution" value="1000" units="1/cm"/>
+          <inkml:channelProperty channel="Y" name="resolution" value="1000" units="1/cm"/>
+          <inkml:channelProperty channel="F" name="resolution" value="0" units="1/dev"/>
+        </inkml:channelProperties>
+      </inkml:inkSource>
+      <inkml:timestamp xml:id="ts0" timeString="2025-11-23T05:20:47.480"/>
+    </inkml:context>
+    <inkml:brush xml:id="br0">
+      <inkml:brushProperty name="width" value="0.035" units="cm"/>
+      <inkml:brushProperty name="height" value="0.035" units="cm"/>
+      <inkml:brushProperty name="color" value="#E71224"/>
+    </inkml:brush>
+  </inkml:definitions>
+  <inkml:trace contextRef="#ctx0" brushRef="#br0">1 601 24575,'11'-1'0,"0"-1"0,0-1 0,0 0 0,-1 0 0,1-1 0,-1 0 0,0-1 0,0 0 0,0 0 0,-1-1 0,0 0 0,11-10 0,-3 3 0,1 1 0,23-11 0,380-185 0,-354 168 0,-48 27 0,0 2 0,21-10 0,69-35 0,-69 33 0,42-16 0,-13 5 96,12-5-1557,-64 34-5365</inkml:trace>
+</inkml:ink>
+</file>
+
+<file path=ppt/ink/ink4.xml><?xml version="1.0" encoding="utf-8"?>
+<inkml:ink xmlns:inkml="http://www.w3.org/2003/InkML">
+  <inkml:definitions>
+    <inkml:context xml:id="ctx0">
+      <inkml:inkSource xml:id="inkSrc0">
+        <inkml:traceFormat>
+          <inkml:channel name="X" type="integer" min="-2.14748E9" max="2.14748E9" units="cm"/>
+          <inkml:channel name="Y" type="integer" min="-2.14748E9" max="2.14748E9" units="cm"/>
+          <inkml:channel name="F" type="integer" max="32767" units="dev"/>
+        </inkml:traceFormat>
+        <inkml:channelProperties>
+          <inkml:channelProperty channel="X" name="resolution" value="1000" units="1/cm"/>
+          <inkml:channelProperty channel="Y" name="resolution" value="1000" units="1/cm"/>
+          <inkml:channelProperty channel="F" name="resolution" value="0" units="1/dev"/>
+        </inkml:channelProperties>
+      </inkml:inkSource>
+      <inkml:timestamp xml:id="ts0" timeString="2025-11-23T01:28:50.360"/>
+    </inkml:context>
+    <inkml:brush xml:id="br0">
+      <inkml:brushProperty name="width" value="0.035" units="cm"/>
+      <inkml:brushProperty name="height" value="0.035" units="cm"/>
+      <inkml:brushProperty name="color" value="#E71224"/>
+    </inkml:brush>
+  </inkml:definitions>
+  <inkml:trace contextRef="#ctx0" brushRef="#br0">1 361 24575,'25'-2'0,"1"-1"0,-1-1 0,1-1 0,-1-2 0,33-12 0,-19 6 0,42-9 0,-34 14 0,17-4 0,92-28 0,-123 30 0,1 2 0,36-4 0,-39 7 0,-1 0 0,1-2 0,30-12 0,211-72 0,-206 71 24,-47 15-371,0-1 0,0 0-1,34-17 1,-41 14-6479</inkml:trace>
+</inkml:ink>
+</file>
+
+<file path=ppt/ink/ink5.xml><?xml version="1.0" encoding="utf-8"?>
 <inkml:ink xmlns:inkml="http://www.w3.org/2003/InkML">
   <inkml:definitions>
     <inkml:context xml:id="ctx0">
@@ -163,7 +835,7 @@
 </inkml:ink>
 </file>
 
-<file path=ppt/ink/ink11.xml><?xml version="1.0" encoding="utf-8"?>
+<file path=ppt/ink/ink6.xml><?xml version="1.0" encoding="utf-8"?>
 <inkml:ink xmlns:inkml="http://www.w3.org/2003/InkML">
   <inkml:definitions>
     <inkml:context xml:id="ctx0">
@@ -192,7 +864,7 @@
 </inkml:ink>
 </file>
 
-<file path=ppt/ink/ink12.xml><?xml version="1.0" encoding="utf-8"?>
+<file path=ppt/ink/ink7.xml><?xml version="1.0" encoding="utf-8"?>
 <inkml:ink xmlns:inkml="http://www.w3.org/2003/InkML">
   <inkml:definitions>
     <inkml:context xml:id="ctx0">
@@ -221,7 +893,7 @@
 </inkml:ink>
 </file>
 
-<file path=ppt/ink/ink13.xml><?xml version="1.0" encoding="utf-8"?>
+<file path=ppt/ink/ink8.xml><?xml version="1.0" encoding="utf-8"?>
 <inkml:ink xmlns:inkml="http://www.w3.org/2003/InkML">
   <inkml:definitions>
     <inkml:context xml:id="ctx0">
@@ -249,7 +921,7 @@
 </inkml:ink>
 </file>
 
-<file path=ppt/ink/ink14.xml><?xml version="1.0" encoding="utf-8"?>
+<file path=ppt/ink/ink9.xml><?xml version="1.0" encoding="utf-8"?>
 <inkml:ink xmlns:inkml="http://www.w3.org/2003/InkML">
   <inkml:definitions>
     <inkml:context xml:id="ctx0">
@@ -274,286 +946,6 @@
     </inkml:brush>
   </inkml:definitions>
   <inkml:trace contextRef="#ctx0" brushRef="#br0">39 11 24575,'-5'0'0,"0"-4"0,-5-2 0,0 5 0,6 2 0,-1 2 0</inkml:trace>
-</inkml:ink>
-</file>
-
-<file path=ppt/ink/ink15.xml><?xml version="1.0" encoding="utf-8"?>
-<inkml:ink xmlns:inkml="http://www.w3.org/2003/InkML">
-  <inkml:definitions>
-    <inkml:context xml:id="ctx0">
-      <inkml:inkSource xml:id="inkSrc0">
-        <inkml:traceFormat>
-          <inkml:channel name="X" type="integer" min="-2.14748E9" max="2.14748E9" units="cm"/>
-          <inkml:channel name="Y" type="integer" min="-2.14748E9" max="2.14748E9" units="cm"/>
-          <inkml:channel name="F" type="integer" max="32767" units="dev"/>
-        </inkml:traceFormat>
-        <inkml:channelProperties>
-          <inkml:channelProperty channel="X" name="resolution" value="1000" units="1/cm"/>
-          <inkml:channelProperty channel="Y" name="resolution" value="1000" units="1/cm"/>
-          <inkml:channelProperty channel="F" name="resolution" value="0" units="1/dev"/>
-        </inkml:channelProperties>
-      </inkml:inkSource>
-      <inkml:timestamp xml:id="ts0" timeString="2025-11-23T01:29:29.575"/>
-    </inkml:context>
-    <inkml:brush xml:id="br0">
-      <inkml:brushProperty name="width" value="0.035" units="cm"/>
-      <inkml:brushProperty name="height" value="0.035" units="cm"/>
-      <inkml:brushProperty name="color" value="#E71224"/>
-    </inkml:brush>
-  </inkml:definitions>
-  <inkml:trace contextRef="#ctx0" brushRef="#br0">0 3 24575,'38'-1'0,"-21"0"0,0 1 0,0 0 0,0 1 0,0 0 0,25 7 0,-38-7 0,0 0 0,-1 0 0,0 1 0,1-1 0,-1 1 0,0 0 0,0 0 0,0 0 0,0 1 0,0-1 0,-1 1 0,1-1 0,-1 1 0,1 0 0,-1 0 0,0 0 0,0 0 0,0 0 0,-1 1 0,1-1 0,-1 0 0,0 1 0,0-1 0,0 1 0,0 0 0,0-1 0,-1 1 0,0-1 0,0 1 0,0 7 0,-1-7 0,1 0 0,-1 1 0,0-1 0,0 0 0,0 0 0,0 0 0,-1 0 0,0 0 0,0-1 0,0 1 0,0-1 0,-4 6 0,-40 38 0,16-17 0,-2 5 0,-27 41 0,49-63-1365,-1-2-5461</inkml:trace>
-</inkml:ink>
-</file>
-
-<file path=ppt/ink/ink16.xml><?xml version="1.0" encoding="utf-8"?>
-<inkml:ink xmlns:inkml="http://www.w3.org/2003/InkML">
-  <inkml:definitions>
-    <inkml:context xml:id="ctx0">
-      <inkml:inkSource xml:id="inkSrc0">
-        <inkml:traceFormat>
-          <inkml:channel name="X" type="integer" min="-2.14748E9" max="2.14748E9" units="cm"/>
-          <inkml:channel name="Y" type="integer" min="-2.14748E9" max="2.14748E9" units="cm"/>
-          <inkml:channel name="F" type="integer" max="32767" units="dev"/>
-        </inkml:traceFormat>
-        <inkml:channelProperties>
-          <inkml:channelProperty channel="X" name="resolution" value="1000" units="1/cm"/>
-          <inkml:channelProperty channel="Y" name="resolution" value="1000" units="1/cm"/>
-          <inkml:channelProperty channel="F" name="resolution" value="0" units="1/dev"/>
-        </inkml:channelProperties>
-      </inkml:inkSource>
-      <inkml:timestamp xml:id="ts0" timeString="2025-11-23T01:29:30.325"/>
-    </inkml:context>
-    <inkml:brush xml:id="br0">
-      <inkml:brushProperty name="width" value="0.035" units="cm"/>
-      <inkml:brushProperty name="height" value="0.035" units="cm"/>
-      <inkml:brushProperty name="color" value="#E71224"/>
-    </inkml:brush>
-  </inkml:definitions>
-  <inkml:trace contextRef="#ctx0" brushRef="#br0">0 1 24575,'5'0'0,"0"4"0,5 2 0,-5-1 0</inkml:trace>
-</inkml:ink>
-</file>
-
-<file path=ppt/ink/ink2.xml><?xml version="1.0" encoding="utf-8"?>
-<inkml:ink xmlns:inkml="http://www.w3.org/2003/InkML">
-  <inkml:definitions>
-    <inkml:context xml:id="ctx0">
-      <inkml:inkSource xml:id="inkSrc0">
-        <inkml:traceFormat>
-          <inkml:channel name="X" type="integer" min="-2.14748E9" max="2.14748E9" units="cm"/>
-          <inkml:channel name="Y" type="integer" min="-2.14748E9" max="2.14748E9" units="cm"/>
-          <inkml:channel name="F" type="integer" max="32767" units="dev"/>
-        </inkml:traceFormat>
-        <inkml:channelProperties>
-          <inkml:channelProperty channel="X" name="resolution" value="1000" units="1/cm"/>
-          <inkml:channelProperty channel="Y" name="resolution" value="1000" units="1/cm"/>
-          <inkml:channelProperty channel="F" name="resolution" value="0" units="1/dev"/>
-        </inkml:channelProperties>
-      </inkml:inkSource>
-      <inkml:timestamp xml:id="ts0" timeString="2025-11-23T01:28:35.663"/>
-    </inkml:context>
-    <inkml:brush xml:id="br0">
-      <inkml:brushProperty name="width" value="0.035" units="cm"/>
-      <inkml:brushProperty name="height" value="0.035" units="cm"/>
-      <inkml:brushProperty name="color" value="#E71224"/>
-    </inkml:brush>
-  </inkml:definitions>
-  <inkml:trace contextRef="#ctx0" brushRef="#br0">1 474 24575,'2'-4'0,"0"0"0,0 1 0,0-1 0,1 1 0,0 0 0,0 0 0,0 0 0,0 0 0,0 0 0,0 1 0,1 0 0,0-1 0,5-2 0,6-5 0,5-3 0,0 0 0,1 2 0,0 0 0,1 2 0,45-14 0,28-13 0,68-25 0,-111 45 0,0-3 0,59-32 0,-38 11-455,2 4 0,112-39 0,-170 70-6371</inkml:trace>
-</inkml:ink>
-</file>
-
-<file path=ppt/ink/ink3.xml><?xml version="1.0" encoding="utf-8"?>
-<inkml:ink xmlns:inkml="http://www.w3.org/2003/InkML">
-  <inkml:definitions>
-    <inkml:context xml:id="ctx0">
-      <inkml:inkSource xml:id="inkSrc0">
-        <inkml:traceFormat>
-          <inkml:channel name="X" type="integer" min="-2.14748E9" max="2.14748E9" units="cm"/>
-          <inkml:channel name="Y" type="integer" min="-2.14748E9" max="2.14748E9" units="cm"/>
-          <inkml:channel name="F" type="integer" max="32767" units="dev"/>
-        </inkml:traceFormat>
-        <inkml:channelProperties>
-          <inkml:channelProperty channel="X" name="resolution" value="1000" units="1/cm"/>
-          <inkml:channelProperty channel="Y" name="resolution" value="1000" units="1/cm"/>
-          <inkml:channelProperty channel="F" name="resolution" value="0" units="1/dev"/>
-        </inkml:channelProperties>
-      </inkml:inkSource>
-      <inkml:timestamp xml:id="ts0" timeString="2025-11-23T01:28:40.816"/>
-    </inkml:context>
-    <inkml:brush xml:id="br0">
-      <inkml:brushProperty name="width" value="0.035" units="cm"/>
-      <inkml:brushProperty name="height" value="0.035" units="cm"/>
-      <inkml:brushProperty name="color" value="#E71224"/>
-    </inkml:brush>
-  </inkml:definitions>
-  <inkml:trace contextRef="#ctx0" brushRef="#br0">0 278 24575,'17'-1'0,"0"-2"0,0 0 0,-1-1 0,0-1 0,0 0 0,21-10 0,30-10 0,12 6 0,-42 11 0,39-14 0,-43 10 0,2 2 0,56-10 0,35-4 0,-74 13 0,22-3 0,-55 12 0,-1-1 0,0-1 0,0-1 0,22-8 0,47-12 0,-37 15 38,27-3-1441,-57 12-5423</inkml:trace>
-</inkml:ink>
-</file>
-
-<file path=ppt/ink/ink4.xml><?xml version="1.0" encoding="utf-8"?>
-<inkml:ink xmlns:inkml="http://www.w3.org/2003/InkML">
-  <inkml:definitions>
-    <inkml:context xml:id="ctx0">
-      <inkml:inkSource xml:id="inkSrc0">
-        <inkml:traceFormat>
-          <inkml:channel name="X" type="integer" min="-2.14748E9" max="2.14748E9" units="cm"/>
-          <inkml:channel name="Y" type="integer" min="-2.14748E9" max="2.14748E9" units="cm"/>
-          <inkml:channel name="F" type="integer" max="32767" units="dev"/>
-        </inkml:traceFormat>
-        <inkml:channelProperties>
-          <inkml:channelProperty channel="X" name="resolution" value="1000" units="1/cm"/>
-          <inkml:channelProperty channel="Y" name="resolution" value="1000" units="1/cm"/>
-          <inkml:channelProperty channel="F" name="resolution" value="0" units="1/dev"/>
-        </inkml:channelProperties>
-      </inkml:inkSource>
-      <inkml:timestamp xml:id="ts0" timeString="2025-11-23T01:28:42.427"/>
-    </inkml:context>
-    <inkml:brush xml:id="br0">
-      <inkml:brushProperty name="width" value="0.035" units="cm"/>
-      <inkml:brushProperty name="height" value="0.035" units="cm"/>
-      <inkml:brushProperty name="color" value="#E71224"/>
-    </inkml:brush>
-  </inkml:definitions>
-  <inkml:trace contextRef="#ctx0" brushRef="#br0">1 414 24575,'11'-8'0,"0"0"0,1 1 0,1 0 0,-1 1 0,15-6 0,-10 5 0,104-37 0,8-3 0,-61 19 0,1 2 0,94-21 0,-61 11 0,-79 27 0,0 0 0,0 2 0,0 1 0,35-6 0,118-15 0,-152 23 0,0-2 0,33-11 0,16-4 0,-54 15-1365,-4 0-5461</inkml:trace>
-</inkml:ink>
-</file>
-
-<file path=ppt/ink/ink5.xml><?xml version="1.0" encoding="utf-8"?>
-<inkml:ink xmlns:inkml="http://www.w3.org/2003/InkML">
-  <inkml:definitions>
-    <inkml:context xml:id="ctx0">
-      <inkml:inkSource xml:id="inkSrc0">
-        <inkml:traceFormat>
-          <inkml:channel name="X" type="integer" min="-2.14748E9" max="2.14748E9" units="cm"/>
-          <inkml:channel name="Y" type="integer" min="-2.14748E9" max="2.14748E9" units="cm"/>
-          <inkml:channel name="F" type="integer" max="32767" units="dev"/>
-        </inkml:traceFormat>
-        <inkml:channelProperties>
-          <inkml:channelProperty channel="X" name="resolution" value="1000" units="1/cm"/>
-          <inkml:channelProperty channel="Y" name="resolution" value="1000" units="1/cm"/>
-          <inkml:channelProperty channel="F" name="resolution" value="0" units="1/dev"/>
-        </inkml:channelProperties>
-      </inkml:inkSource>
-      <inkml:timestamp xml:id="ts0" timeString="2025-11-23T01:28:47.459"/>
-    </inkml:context>
-    <inkml:brush xml:id="br0">
-      <inkml:brushProperty name="width" value="0.035" units="cm"/>
-      <inkml:brushProperty name="height" value="0.035" units="cm"/>
-      <inkml:brushProperty name="color" value="#E71224"/>
-    </inkml:brush>
-  </inkml:definitions>
-  <inkml:trace contextRef="#ctx0" brushRef="#br0">0 313 24575,'53'-19'0,"87"-19"0,-5 1 0,-58 23 0,148-33 0,77-45 0,-270 82 7,45-19-1,-33 11-1384,-24 10-5448</inkml:trace>
-</inkml:ink>
-</file>
-
-<file path=ppt/ink/ink6.xml><?xml version="1.0" encoding="utf-8"?>
-<inkml:ink xmlns:inkml="http://www.w3.org/2003/InkML">
-  <inkml:definitions>
-    <inkml:context xml:id="ctx0">
-      <inkml:inkSource xml:id="inkSrc0">
-        <inkml:traceFormat>
-          <inkml:channel name="X" type="integer" min="-2.14748E9" max="2.14748E9" units="cm"/>
-          <inkml:channel name="Y" type="integer" min="-2.14748E9" max="2.14748E9" units="cm"/>
-          <inkml:channel name="F" type="integer" max="32767" units="dev"/>
-        </inkml:traceFormat>
-        <inkml:channelProperties>
-          <inkml:channelProperty channel="X" name="resolution" value="1000" units="1/cm"/>
-          <inkml:channelProperty channel="Y" name="resolution" value="1000" units="1/cm"/>
-          <inkml:channelProperty channel="F" name="resolution" value="0" units="1/dev"/>
-        </inkml:channelProperties>
-      </inkml:inkSource>
-      <inkml:timestamp xml:id="ts0" timeString="2025-11-23T01:28:46.032"/>
-    </inkml:context>
-    <inkml:brush xml:id="br0">
-      <inkml:brushProperty name="width" value="0.035" units="cm"/>
-      <inkml:brushProperty name="height" value="0.035" units="cm"/>
-      <inkml:brushProperty name="color" value="#E71224"/>
-    </inkml:brush>
-  </inkml:definitions>
-  <inkml:trace contextRef="#ctx0" brushRef="#br0">1 324 24575,'11'-2'0,"1"0"0,-1 0 0,0-1 0,1 0 0,-1-1 0,-1 0 0,21-12 0,35-12 0,413-127 0,-247 74 0,-178 62-1365,-37 15-5461</inkml:trace>
-</inkml:ink>
-</file>
-
-<file path=ppt/ink/ink7.xml><?xml version="1.0" encoding="utf-8"?>
-<inkml:ink xmlns:inkml="http://www.w3.org/2003/InkML">
-  <inkml:definitions>
-    <inkml:context xml:id="ctx0">
-      <inkml:inkSource xml:id="inkSrc0">
-        <inkml:traceFormat>
-          <inkml:channel name="X" type="integer" min="-2.14748E9" max="2.14748E9" units="cm"/>
-          <inkml:channel name="Y" type="integer" min="-2.14748E9" max="2.14748E9" units="cm"/>
-          <inkml:channel name="F" type="integer" max="32767" units="dev"/>
-        </inkml:traceFormat>
-        <inkml:channelProperties>
-          <inkml:channelProperty channel="X" name="resolution" value="1000" units="1/cm"/>
-          <inkml:channelProperty channel="Y" name="resolution" value="1000" units="1/cm"/>
-          <inkml:channelProperty channel="F" name="resolution" value="0" units="1/dev"/>
-        </inkml:channelProperties>
-      </inkml:inkSource>
-      <inkml:timestamp xml:id="ts0" timeString="2025-11-23T01:28:48.632"/>
-    </inkml:context>
-    <inkml:brush xml:id="br0">
-      <inkml:brushProperty name="width" value="0.035" units="cm"/>
-      <inkml:brushProperty name="height" value="0.035" units="cm"/>
-      <inkml:brushProperty name="color" value="#E71224"/>
-    </inkml:brush>
-  </inkml:definitions>
-  <inkml:trace contextRef="#ctx0" brushRef="#br0">1 426 24575,'0'-2'0,"0"0"0,1 1 0,-1-1 0,1 0 0,-1 0 0,1 1 0,0-1 0,0 0 0,-1 1 0,1-1 0,0 1 0,1-1 0,-1 1 0,0-1 0,0 1 0,1 0 0,-1 0 0,0 0 0,1 0 0,-1 0 0,1 0 0,0 0 0,-1 0 0,4-1 0,49-14 0,-39 13 0,172-34 0,-163 33 0,14-3 0,69-21 0,-76 19 0,45-6 0,29-8 0,65-19 0,-4 2 0,-118 28 2,0 2 0,77-7-1,-14 3-108,-26-3-134,-53 10 151,-1 1 0,58-4 1,-52 7 188,-1-1 0,58-14 0,-59 10 6,0 1 0,70-3 0,-104 10-105,5 0 0,0 0 0,1 0 0,-1-1 0,0 1 0,0-1 0,1-1 0,-1 1 0,8-4 0,-15 5-20,1 0 1,0 0-1,0 0 0,0 0 0,-1 0 1,1 0-1,0 0 0,0 0 0,0-1 0,0 1 1,-1 0-1,1 0 0,0 0 0,0 0 0,0 0 1,0 0-1,0-1 0,-1 1 0,1 0 1,0 0-1,0 0 0,0-1 0,0 1 0,0 0 1,0 0-1,0 0 0,0 0 0,0-1 0,0 1 1,0 0-1,0 0 0,0 0 0,0-1 1,0 1-1,0 0 0,0 0 0,0-1 0,0 1 1,0 0-1,0 0 0,0 0 0,0 0 0,0-1 1,0 1-1,0 0 0,0 0 0,0 0 0,1-1 1,-1 1-1,0 0 0,0 0 0,0 0 1,0 0-1,0 0 0,1 0 0,-1-1 0,0 1 1,0 0-1,0 0 0,1 0 0,-1 0 0,0 0 1,0 0-1,0 0 0,1 0 0,-1 0 1,0 0-1,0 0 0,-9-3-6806</inkml:trace>
-</inkml:ink>
-</file>
-
-<file path=ppt/ink/ink8.xml><?xml version="1.0" encoding="utf-8"?>
-<inkml:ink xmlns:inkml="http://www.w3.org/2003/InkML">
-  <inkml:definitions>
-    <inkml:context xml:id="ctx0">
-      <inkml:inkSource xml:id="inkSrc0">
-        <inkml:traceFormat>
-          <inkml:channel name="X" type="integer" min="-2.14748E9" max="2.14748E9" units="cm"/>
-          <inkml:channel name="Y" type="integer" min="-2.14748E9" max="2.14748E9" units="cm"/>
-          <inkml:channel name="F" type="integer" max="32767" units="dev"/>
-        </inkml:traceFormat>
-        <inkml:channelProperties>
-          <inkml:channelProperty channel="X" name="resolution" value="1000" units="1/cm"/>
-          <inkml:channelProperty channel="Y" name="resolution" value="1000" units="1/cm"/>
-          <inkml:channelProperty channel="F" name="resolution" value="0" units="1/dev"/>
-        </inkml:channelProperties>
-      </inkml:inkSource>
-      <inkml:timestamp xml:id="ts0" timeString="2025-11-23T01:28:50.360"/>
-    </inkml:context>
-    <inkml:brush xml:id="br0">
-      <inkml:brushProperty name="width" value="0.035" units="cm"/>
-      <inkml:brushProperty name="height" value="0.035" units="cm"/>
-      <inkml:brushProperty name="color" value="#E71224"/>
-    </inkml:brush>
-  </inkml:definitions>
-  <inkml:trace contextRef="#ctx0" brushRef="#br0">1 361 24575,'25'-2'0,"1"-1"0,-1-1 0,1-1 0,-1-2 0,33-12 0,-19 6 0,42-9 0,-34 14 0,17-4 0,92-28 0,-123 30 0,1 2 0,36-4 0,-39 7 0,-1 0 0,1-2 0,30-12 0,211-72 0,-206 71 24,-47 15-371,0-1 0,0 0-1,34-17 1,-41 14-6479</inkml:trace>
-</inkml:ink>
-</file>
-
-<file path=ppt/ink/ink9.xml><?xml version="1.0" encoding="utf-8"?>
-<inkml:ink xmlns:inkml="http://www.w3.org/2003/InkML">
-  <inkml:definitions>
-    <inkml:context xml:id="ctx0">
-      <inkml:inkSource xml:id="inkSrc0">
-        <inkml:traceFormat>
-          <inkml:channel name="X" type="integer" min="-2.14748E9" max="2.14748E9" units="cm"/>
-          <inkml:channel name="Y" type="integer" min="-2.14748E9" max="2.14748E9" units="cm"/>
-          <inkml:channel name="F" type="integer" max="32767" units="dev"/>
-        </inkml:traceFormat>
-        <inkml:channelProperties>
-          <inkml:channelProperty channel="X" name="resolution" value="1000" units="1/cm"/>
-          <inkml:channelProperty channel="Y" name="resolution" value="1000" units="1/cm"/>
-          <inkml:channelProperty channel="F" name="resolution" value="0" units="1/dev"/>
-        </inkml:channelProperties>
-      </inkml:inkSource>
-      <inkml:timestamp xml:id="ts0" timeString="2025-11-23T01:28:52.088"/>
-    </inkml:context>
-    <inkml:brush xml:id="br0">
-      <inkml:brushProperty name="width" value="0.035" units="cm"/>
-      <inkml:brushProperty name="height" value="0.035" units="cm"/>
-      <inkml:brushProperty name="color" value="#E71224"/>
-    </inkml:brush>
-  </inkml:definitions>
-  <inkml:trace contextRef="#ctx0" brushRef="#br0">1 412 24575,'10'-2'0,"1"1"0,-1-1 0,0-1 0,1 0 0,-1 0 0,-1-1 0,11-5 0,41-14 0,-54 21 0,46-9 0,1-3 0,98-40 0,-130 45 0,2 0 0,-1 2 0,26-4 0,-23 5 0,-1 0 0,38-16 0,-54 18 0,211-85 0,-33 14 0,-102 42-1365,-69 24-5461</inkml:trace>
 </inkml:ink>
 </file>
 
@@ -3771,12 +4163,48 @@
           <a:chExt cx="0" cy="0"/>
         </a:xfrm>
       </p:grpSpPr>
+      <p:sp>
+        <p:nvSpPr>
+          <p:cNvPr id="6" name="CaixaDeTexto 5">
+            <a:extLst>
+              <a:ext uri="{FF2B5EF4-FFF2-40B4-BE49-F238E27FC236}">
+                <a16:creationId xmlns:a16="http://schemas.microsoft.com/office/drawing/2014/main" id="{383FF7B5-21BD-622D-4015-BF06981A9255}"/>
+              </a:ext>
+            </a:extLst>
+          </p:cNvPr>
+          <p:cNvSpPr txBox="1"/>
+          <p:nvPr/>
+        </p:nvSpPr>
+        <p:spPr>
+          <a:xfrm>
+            <a:off x="445158" y="253484"/>
+            <a:ext cx="3629025" cy="369332"/>
+          </a:xfrm>
+          <a:prstGeom prst="rect">
+            <a:avLst/>
+          </a:prstGeom>
+          <a:noFill/>
+        </p:spPr>
+        <p:txBody>
+          <a:bodyPr wrap="square" rtlCol="0">
+            <a:spAutoFit/>
+          </a:bodyPr>
+          <a:lstStyle/>
+          <a:p>
+            <a:pPr algn="ctr"/>
+            <a:r>
+              <a:rPr lang="pt-BR" dirty="0"/>
+              <a:t>MEU PROJETO</a:t>
+            </a:r>
+          </a:p>
+        </p:txBody>
+      </p:sp>
       <p:pic>
         <p:nvPicPr>
-          <p:cNvPr id="5" name="Imagem 4">
-            <a:extLst>
-              <a:ext uri="{FF2B5EF4-FFF2-40B4-BE49-F238E27FC236}">
-                <a16:creationId xmlns:a16="http://schemas.microsoft.com/office/drawing/2014/main" id="{ED973DE7-CD58-9988-1CDC-2E6D2E935AF5}"/>
+          <p:cNvPr id="8" name="Imagem 7">
+            <a:extLst>
+              <a:ext uri="{FF2B5EF4-FFF2-40B4-BE49-F238E27FC236}">
+                <a16:creationId xmlns:a16="http://schemas.microsoft.com/office/drawing/2014/main" id="{65C29981-DB52-6AFF-D50B-0A250A85EAB5}"/>
               </a:ext>
             </a:extLst>
           </p:cNvPr>
@@ -3787,72 +4215,6 @@
         </p:nvPicPr>
         <p:blipFill>
           <a:blip r:embed="rId2"/>
-          <a:stretch>
-            <a:fillRect/>
-          </a:stretch>
-        </p:blipFill>
-        <p:spPr>
-          <a:xfrm>
-            <a:off x="638175" y="1123950"/>
-            <a:ext cx="3105150" cy="3619500"/>
-          </a:xfrm>
-          <a:prstGeom prst="rect">
-            <a:avLst/>
-          </a:prstGeom>
-        </p:spPr>
-      </p:pic>
-      <p:sp>
-        <p:nvSpPr>
-          <p:cNvPr id="6" name="CaixaDeTexto 5">
-            <a:extLst>
-              <a:ext uri="{FF2B5EF4-FFF2-40B4-BE49-F238E27FC236}">
-                <a16:creationId xmlns:a16="http://schemas.microsoft.com/office/drawing/2014/main" id="{383FF7B5-21BD-622D-4015-BF06981A9255}"/>
-              </a:ext>
-            </a:extLst>
-          </p:cNvPr>
-          <p:cNvSpPr txBox="1"/>
-          <p:nvPr/>
-        </p:nvSpPr>
-        <p:spPr>
-          <a:xfrm>
-            <a:off x="390525" y="438150"/>
-            <a:ext cx="3629025" cy="369332"/>
-          </a:xfrm>
-          <a:prstGeom prst="rect">
-            <a:avLst/>
-          </a:prstGeom>
-          <a:noFill/>
-        </p:spPr>
-        <p:txBody>
-          <a:bodyPr wrap="square" rtlCol="0">
-            <a:spAutoFit/>
-          </a:bodyPr>
-          <a:lstStyle/>
-          <a:p>
-            <a:pPr algn="ctr"/>
-            <a:r>
-              <a:rPr lang="pt-BR" dirty="0"/>
-              <a:t>MEU PROJETO</a:t>
-            </a:r>
-          </a:p>
-        </p:txBody>
-      </p:sp>
-      <p:pic>
-        <p:nvPicPr>
-          <p:cNvPr id="8" name="Imagem 7">
-            <a:extLst>
-              <a:ext uri="{FF2B5EF4-FFF2-40B4-BE49-F238E27FC236}">
-                <a16:creationId xmlns:a16="http://schemas.microsoft.com/office/drawing/2014/main" id="{65C29981-DB52-6AFF-D50B-0A250A85EAB5}"/>
-              </a:ext>
-            </a:extLst>
-          </p:cNvPr>
-          <p:cNvPicPr>
-            <a:picLocks noChangeAspect="1"/>
-          </p:cNvPicPr>
-          <p:nvPr/>
-        </p:nvPicPr>
-        <p:blipFill>
-          <a:blip r:embed="rId3"/>
           <a:stretch>
             <a:fillRect/>
           </a:stretch>
@@ -3905,58 +4267,7 @@
       </p:sp>
       <mc:AlternateContent xmlns:mc="http://schemas.openxmlformats.org/markup-compatibility/2006">
         <mc:Choice xmlns:p14="http://schemas.microsoft.com/office/powerpoint/2010/main" Requires="p14">
-          <p:contentPart p14:bwMode="auto" r:id="rId4">
-            <p14:nvContentPartPr>
-              <p14:cNvPr id="11" name="Tinta 10">
-                <a:extLst>
-                  <a:ext uri="{FF2B5EF4-FFF2-40B4-BE49-F238E27FC236}">
-                    <a16:creationId xmlns:a16="http://schemas.microsoft.com/office/drawing/2014/main" id="{52A0EE0B-9627-470C-0759-618BCA9273ED}"/>
-                  </a:ext>
-                </a:extLst>
-              </p14:cNvPr>
-              <p14:cNvContentPartPr/>
-              <p14:nvPr/>
-            </p14:nvContentPartPr>
-            <p14:xfrm>
-              <a:off x="1792223" y="2148345"/>
-              <a:ext cx="609120" cy="196560"/>
-            </p14:xfrm>
-          </p:contentPart>
-        </mc:Choice>
-        <mc:Fallback>
-          <p:pic>
-            <p:nvPicPr>
-              <p:cNvPr id="11" name="Tinta 10">
-                <a:extLst>
-                  <a:ext uri="{FF2B5EF4-FFF2-40B4-BE49-F238E27FC236}">
-                    <a16:creationId xmlns:a16="http://schemas.microsoft.com/office/drawing/2014/main" id="{52A0EE0B-9627-470C-0759-618BCA9273ED}"/>
-                  </a:ext>
-                </a:extLst>
-              </p:cNvPr>
-              <p:cNvPicPr/>
-              <p:nvPr/>
-            </p:nvPicPr>
-            <p:blipFill>
-              <a:blip r:embed="rId5"/>
-              <a:stretch>
-                <a:fillRect/>
-              </a:stretch>
-            </p:blipFill>
-            <p:spPr>
-              <a:xfrm>
-                <a:off x="1786103" y="2142225"/>
-                <a:ext cx="621360" cy="208800"/>
-              </a:xfrm>
-              <a:prstGeom prst="rect">
-                <a:avLst/>
-              </a:prstGeom>
-            </p:spPr>
-          </p:pic>
-        </mc:Fallback>
-      </mc:AlternateContent>
-      <mc:AlternateContent xmlns:mc="http://schemas.openxmlformats.org/markup-compatibility/2006">
-        <mc:Choice xmlns:p14="http://schemas.microsoft.com/office/powerpoint/2010/main" Requires="p14">
-          <p:contentPart p14:bwMode="auto" r:id="rId6">
+          <p:contentPart p14:bwMode="auto" r:id="rId3">
             <p14:nvContentPartPr>
               <p14:cNvPr id="12" name="Tinta 11">
                 <a:extLst>
@@ -3988,7 +4299,7 @@
               <p:nvPr/>
             </p:nvPicPr>
             <p:blipFill>
-              <a:blip r:embed="rId7"/>
+              <a:blip r:embed="rId4"/>
               <a:stretch>
                 <a:fillRect/>
               </a:stretch>
@@ -4007,58 +4318,7 @@
       </mc:AlternateContent>
       <mc:AlternateContent xmlns:mc="http://schemas.openxmlformats.org/markup-compatibility/2006">
         <mc:Choice xmlns:p14="http://schemas.microsoft.com/office/powerpoint/2010/main" Requires="p14">
-          <p:contentPart p14:bwMode="auto" r:id="rId8">
-            <p14:nvContentPartPr>
-              <p14:cNvPr id="13" name="Tinta 12">
-                <a:extLst>
-                  <a:ext uri="{FF2B5EF4-FFF2-40B4-BE49-F238E27FC236}">
-                    <a16:creationId xmlns:a16="http://schemas.microsoft.com/office/drawing/2014/main" id="{62AB352C-E251-1E5C-5F0B-FF37DA82F919}"/>
-                  </a:ext>
-                </a:extLst>
-              </p14:cNvPr>
-              <p14:cNvContentPartPr/>
-              <p14:nvPr/>
-            </p14:nvContentPartPr>
-            <p14:xfrm>
-              <a:off x="1765223" y="2851065"/>
-              <a:ext cx="415440" cy="100080"/>
-            </p14:xfrm>
-          </p:contentPart>
-        </mc:Choice>
-        <mc:Fallback>
-          <p:pic>
-            <p:nvPicPr>
-              <p:cNvPr id="13" name="Tinta 12">
-                <a:extLst>
-                  <a:ext uri="{FF2B5EF4-FFF2-40B4-BE49-F238E27FC236}">
-                    <a16:creationId xmlns:a16="http://schemas.microsoft.com/office/drawing/2014/main" id="{62AB352C-E251-1E5C-5F0B-FF37DA82F919}"/>
-                  </a:ext>
-                </a:extLst>
-              </p:cNvPr>
-              <p:cNvPicPr/>
-              <p:nvPr/>
-            </p:nvPicPr>
-            <p:blipFill>
-              <a:blip r:embed="rId9"/>
-              <a:stretch>
-                <a:fillRect/>
-              </a:stretch>
-            </p:blipFill>
-            <p:spPr>
-              <a:xfrm>
-                <a:off x="1759103" y="2844945"/>
-                <a:ext cx="427680" cy="112320"/>
-              </a:xfrm>
-              <a:prstGeom prst="rect">
-                <a:avLst/>
-              </a:prstGeom>
-            </p:spPr>
-          </p:pic>
-        </mc:Fallback>
-      </mc:AlternateContent>
-      <mc:AlternateContent xmlns:mc="http://schemas.openxmlformats.org/markup-compatibility/2006">
-        <mc:Choice xmlns:p14="http://schemas.microsoft.com/office/powerpoint/2010/main" Requires="p14">
-          <p:contentPart p14:bwMode="auto" r:id="rId10">
+          <p:contentPart p14:bwMode="auto" r:id="rId5">
             <p14:nvContentPartPr>
               <p14:cNvPr id="14" name="Tinta 13">
                 <a:extLst>
@@ -4090,7 +4350,7 @@
               <p:nvPr/>
             </p:nvPicPr>
             <p:blipFill>
-              <a:blip r:embed="rId11"/>
+              <a:blip r:embed="rId6"/>
               <a:stretch>
                 <a:fillRect/>
               </a:stretch>
@@ -4109,7 +4369,7 @@
       </mc:AlternateContent>
       <mc:AlternateContent xmlns:mc="http://schemas.openxmlformats.org/markup-compatibility/2006">
         <mc:Choice xmlns:p14="http://schemas.microsoft.com/office/powerpoint/2010/main" Requires="p14">
-          <p:contentPart p14:bwMode="auto" r:id="rId12">
+          <p:contentPart p14:bwMode="auto" r:id="rId7">
             <p14:nvContentPartPr>
               <p14:cNvPr id="16" name="Tinta 15">
                 <a:extLst>
@@ -4141,7 +4401,7 @@
               <p:nvPr/>
             </p:nvPicPr>
             <p:blipFill>
-              <a:blip r:embed="rId13"/>
+              <a:blip r:embed="rId8"/>
               <a:stretch>
                 <a:fillRect/>
               </a:stretch>
@@ -4158,132 +4418,9 @@
           </p:pic>
         </mc:Fallback>
       </mc:AlternateContent>
-      <p:grpSp>
-        <p:nvGrpSpPr>
-          <p:cNvPr id="18" name="Agrupar 17">
-            <a:extLst>
-              <a:ext uri="{FF2B5EF4-FFF2-40B4-BE49-F238E27FC236}">
-                <a16:creationId xmlns:a16="http://schemas.microsoft.com/office/drawing/2014/main" id="{E58A02BD-C652-C318-6F0E-C7795DF2D996}"/>
-              </a:ext>
-            </a:extLst>
-          </p:cNvPr>
-          <p:cNvGrpSpPr/>
-          <p:nvPr/>
-        </p:nvGrpSpPr>
-        <p:grpSpPr>
-          <a:xfrm>
-            <a:off x="1611143" y="3468465"/>
-            <a:ext cx="739800" cy="315720"/>
-            <a:chOff x="1611143" y="3468465"/>
-            <a:chExt cx="739800" cy="315720"/>
-          </a:xfrm>
-        </p:grpSpPr>
-        <mc:AlternateContent xmlns:mc="http://schemas.openxmlformats.org/markup-compatibility/2006">
-          <mc:Choice xmlns:p14="http://schemas.microsoft.com/office/powerpoint/2010/main" Requires="p14">
-            <p:contentPart p14:bwMode="auto" r:id="rId14">
-              <p14:nvContentPartPr>
-                <p14:cNvPr id="15" name="Tinta 14">
-                  <a:extLst>
-                    <a:ext uri="{FF2B5EF4-FFF2-40B4-BE49-F238E27FC236}">
-                      <a16:creationId xmlns:a16="http://schemas.microsoft.com/office/drawing/2014/main" id="{CF8514DC-546D-AA4B-078A-C192D1AF47BE}"/>
-                    </a:ext>
-                  </a:extLst>
-                </p14:cNvPr>
-                <p14:cNvContentPartPr/>
-                <p14:nvPr/>
-              </p14:nvContentPartPr>
-              <p14:xfrm>
-                <a:off x="1611143" y="3468465"/>
-                <a:ext cx="344880" cy="116640"/>
-              </p14:xfrm>
-            </p:contentPart>
-          </mc:Choice>
-          <mc:Fallback>
-            <p:pic>
-              <p:nvPicPr>
-                <p:cNvPr id="15" name="Tinta 14">
-                  <a:extLst>
-                    <a:ext uri="{FF2B5EF4-FFF2-40B4-BE49-F238E27FC236}">
-                      <a16:creationId xmlns:a16="http://schemas.microsoft.com/office/drawing/2014/main" id="{CF8514DC-546D-AA4B-078A-C192D1AF47BE}"/>
-                    </a:ext>
-                  </a:extLst>
-                </p:cNvPr>
-                <p:cNvPicPr/>
-                <p:nvPr/>
-              </p:nvPicPr>
-              <p:blipFill>
-                <a:blip r:embed="rId15"/>
-                <a:stretch>
-                  <a:fillRect/>
-                </a:stretch>
-              </p:blipFill>
-              <p:spPr>
-                <a:xfrm>
-                  <a:off x="1605023" y="3462345"/>
-                  <a:ext cx="357120" cy="128880"/>
-                </a:xfrm>
-                <a:prstGeom prst="rect">
-                  <a:avLst/>
-                </a:prstGeom>
-              </p:spPr>
-            </p:pic>
-          </mc:Fallback>
-        </mc:AlternateContent>
-        <mc:AlternateContent xmlns:mc="http://schemas.openxmlformats.org/markup-compatibility/2006">
-          <mc:Choice xmlns:p14="http://schemas.microsoft.com/office/powerpoint/2010/main" Requires="p14">
-            <p:contentPart p14:bwMode="auto" r:id="rId16">
-              <p14:nvContentPartPr>
-                <p14:cNvPr id="17" name="Tinta 16">
-                  <a:extLst>
-                    <a:ext uri="{FF2B5EF4-FFF2-40B4-BE49-F238E27FC236}">
-                      <a16:creationId xmlns:a16="http://schemas.microsoft.com/office/drawing/2014/main" id="{64769AA5-ABAF-1BAE-B049-CB570395D445}"/>
-                    </a:ext>
-                  </a:extLst>
-                </p14:cNvPr>
-                <p14:cNvContentPartPr/>
-                <p14:nvPr/>
-              </p14:nvContentPartPr>
-              <p14:xfrm>
-                <a:off x="1638143" y="3630825"/>
-                <a:ext cx="712800" cy="153360"/>
-              </p14:xfrm>
-            </p:contentPart>
-          </mc:Choice>
-          <mc:Fallback>
-            <p:pic>
-              <p:nvPicPr>
-                <p:cNvPr id="17" name="Tinta 16">
-                  <a:extLst>
-                    <a:ext uri="{FF2B5EF4-FFF2-40B4-BE49-F238E27FC236}">
-                      <a16:creationId xmlns:a16="http://schemas.microsoft.com/office/drawing/2014/main" id="{64769AA5-ABAF-1BAE-B049-CB570395D445}"/>
-                    </a:ext>
-                  </a:extLst>
-                </p:cNvPr>
-                <p:cNvPicPr/>
-                <p:nvPr/>
-              </p:nvPicPr>
-              <p:blipFill>
-                <a:blip r:embed="rId17"/>
-                <a:stretch>
-                  <a:fillRect/>
-                </a:stretch>
-              </p:blipFill>
-              <p:spPr>
-                <a:xfrm>
-                  <a:off x="1632023" y="3624705"/>
-                  <a:ext cx="725040" cy="165600"/>
-                </a:xfrm>
-                <a:prstGeom prst="rect">
-                  <a:avLst/>
-                </a:prstGeom>
-              </p:spPr>
-            </p:pic>
-          </mc:Fallback>
-        </mc:AlternateContent>
-      </p:grpSp>
       <mc:AlternateContent xmlns:mc="http://schemas.openxmlformats.org/markup-compatibility/2006">
         <mc:Choice xmlns:p14="http://schemas.microsoft.com/office/powerpoint/2010/main" Requires="p14">
-          <p:contentPart p14:bwMode="auto" r:id="rId18">
+          <p:contentPart p14:bwMode="auto" r:id="rId9">
             <p14:nvContentPartPr>
               <p14:cNvPr id="19" name="Tinta 18">
                 <a:extLst>
@@ -4315,7 +4452,7 @@
               <p:nvPr/>
             </p:nvPicPr>
             <p:blipFill>
-              <a:blip r:embed="rId19"/>
+              <a:blip r:embed="rId10"/>
               <a:stretch>
                 <a:fillRect/>
               </a:stretch>
@@ -4334,58 +4471,7 @@
       </mc:AlternateContent>
       <mc:AlternateContent xmlns:mc="http://schemas.openxmlformats.org/markup-compatibility/2006">
         <mc:Choice xmlns:p14="http://schemas.microsoft.com/office/powerpoint/2010/main" Requires="p14">
-          <p:contentPart p14:bwMode="auto" r:id="rId20">
-            <p14:nvContentPartPr>
-              <p14:cNvPr id="20" name="Tinta 19">
-                <a:extLst>
-                  <a:ext uri="{FF2B5EF4-FFF2-40B4-BE49-F238E27FC236}">
-                    <a16:creationId xmlns:a16="http://schemas.microsoft.com/office/drawing/2014/main" id="{39E0C99D-FCE8-8008-45DF-4D8A6BD0A275}"/>
-                  </a:ext>
-                </a:extLst>
-              </p14:cNvPr>
-              <p14:cNvContentPartPr/>
-              <p14:nvPr/>
-            </p14:nvContentPartPr>
-            <p14:xfrm>
-              <a:off x="1728863" y="3880305"/>
-              <a:ext cx="420480" cy="148320"/>
-            </p14:xfrm>
-          </p:contentPart>
-        </mc:Choice>
-        <mc:Fallback>
-          <p:pic>
-            <p:nvPicPr>
-              <p:cNvPr id="20" name="Tinta 19">
-                <a:extLst>
-                  <a:ext uri="{FF2B5EF4-FFF2-40B4-BE49-F238E27FC236}">
-                    <a16:creationId xmlns:a16="http://schemas.microsoft.com/office/drawing/2014/main" id="{39E0C99D-FCE8-8008-45DF-4D8A6BD0A275}"/>
-                  </a:ext>
-                </a:extLst>
-              </p:cNvPr>
-              <p:cNvPicPr/>
-              <p:nvPr/>
-            </p:nvPicPr>
-            <p:blipFill>
-              <a:blip r:embed="rId21"/>
-              <a:stretch>
-                <a:fillRect/>
-              </a:stretch>
-            </p:blipFill>
-            <p:spPr>
-              <a:xfrm>
-                <a:off x="1722743" y="3874185"/>
-                <a:ext cx="432720" cy="160560"/>
-              </a:xfrm>
-              <a:prstGeom prst="rect">
-                <a:avLst/>
-              </a:prstGeom>
-            </p:spPr>
-          </p:pic>
-        </mc:Fallback>
-      </mc:AlternateContent>
-      <mc:AlternateContent xmlns:mc="http://schemas.openxmlformats.org/markup-compatibility/2006">
-        <mc:Choice xmlns:p14="http://schemas.microsoft.com/office/powerpoint/2010/main" Requires="p14">
-          <p:contentPart p14:bwMode="auto" r:id="rId22">
+          <p:contentPart p14:bwMode="auto" r:id="rId11">
             <p14:nvContentPartPr>
               <p14:cNvPr id="21" name="Tinta 20">
                 <a:extLst>
@@ -4417,7 +4503,7 @@
               <p:nvPr/>
             </p:nvPicPr>
             <p:blipFill>
-              <a:blip r:embed="rId23"/>
+              <a:blip r:embed="rId12"/>
               <a:stretch>
                 <a:fillRect/>
               </a:stretch>
@@ -4436,7 +4522,7 @@
       </mc:AlternateContent>
       <mc:AlternateContent xmlns:mc="http://schemas.openxmlformats.org/markup-compatibility/2006">
         <mc:Choice xmlns:p14="http://schemas.microsoft.com/office/powerpoint/2010/main" Requires="p14">
-          <p:contentPart p14:bwMode="auto" r:id="rId24">
+          <p:contentPart p14:bwMode="auto" r:id="rId13">
             <p14:nvContentPartPr>
               <p14:cNvPr id="22" name="Tinta 21">
                 <a:extLst>
@@ -4468,7 +4554,7 @@
               <p:nvPr/>
             </p:nvPicPr>
             <p:blipFill>
-              <a:blip r:embed="rId25"/>
+              <a:blip r:embed="rId14"/>
               <a:stretch>
                 <a:fillRect/>
               </a:stretch>
@@ -4487,7 +4573,7 @@
       </mc:AlternateContent>
       <mc:AlternateContent xmlns:mc="http://schemas.openxmlformats.org/markup-compatibility/2006">
         <mc:Choice xmlns:p14="http://schemas.microsoft.com/office/powerpoint/2010/main" Requires="p14">
-          <p:contentPart p14:bwMode="auto" r:id="rId26">
+          <p:contentPart p14:bwMode="auto" r:id="rId15">
             <p14:nvContentPartPr>
               <p14:cNvPr id="23" name="Tinta 22">
                 <a:extLst>
@@ -4519,7 +4605,7 @@
               <p:nvPr/>
             </p:nvPicPr>
             <p:blipFill>
-              <a:blip r:embed="rId27"/>
+              <a:blip r:embed="rId16"/>
               <a:stretch>
                 <a:fillRect/>
               </a:stretch>
@@ -4558,7 +4644,7 @@
         </p:grpSpPr>
         <mc:AlternateContent xmlns:mc="http://schemas.openxmlformats.org/markup-compatibility/2006">
           <mc:Choice xmlns:p14="http://schemas.microsoft.com/office/powerpoint/2010/main" Requires="p14">
-            <p:contentPart p14:bwMode="auto" r:id="rId28">
+            <p:contentPart p14:bwMode="auto" r:id="rId17">
               <p14:nvContentPartPr>
                 <p14:cNvPr id="25" name="Tinta 24">
                   <a:extLst>
@@ -4590,7 +4676,7 @@
                 <p:nvPr/>
               </p:nvPicPr>
               <p:blipFill>
-                <a:blip r:embed="rId29"/>
+                <a:blip r:embed="rId18"/>
                 <a:stretch>
                   <a:fillRect/>
                 </a:stretch>
@@ -4609,7 +4695,7 @@
         </mc:AlternateContent>
         <mc:AlternateContent xmlns:mc="http://schemas.openxmlformats.org/markup-compatibility/2006">
           <mc:Choice xmlns:p14="http://schemas.microsoft.com/office/powerpoint/2010/main" Requires="p14">
-            <p:contentPart p14:bwMode="auto" r:id="rId30">
+            <p:contentPart p14:bwMode="auto" r:id="rId19">
               <p14:nvContentPartPr>
                 <p14:cNvPr id="26" name="Tinta 25">
                   <a:extLst>
@@ -4641,7 +4727,7 @@
                 <p:nvPr/>
               </p:nvPicPr>
               <p:blipFill>
-                <a:blip r:embed="rId31"/>
+                <a:blip r:embed="rId20"/>
                 <a:stretch>
                   <a:fillRect/>
                 </a:stretch>
@@ -4681,7 +4767,7 @@
         </p:grpSpPr>
         <mc:AlternateContent xmlns:mc="http://schemas.openxmlformats.org/markup-compatibility/2006">
           <mc:Choice xmlns:p14="http://schemas.microsoft.com/office/powerpoint/2010/main" Requires="p14">
-            <p:contentPart p14:bwMode="auto" r:id="rId32">
+            <p:contentPart p14:bwMode="auto" r:id="rId21">
               <p14:nvContentPartPr>
                 <p14:cNvPr id="28" name="Tinta 27">
                   <a:extLst>
@@ -4713,7 +4799,7 @@
                 <p:nvPr/>
               </p:nvPicPr>
               <p:blipFill>
-                <a:blip r:embed="rId33"/>
+                <a:blip r:embed="rId22"/>
                 <a:stretch>
                   <a:fillRect/>
                 </a:stretch>
@@ -4732,7 +4818,7 @@
         </mc:AlternateContent>
         <mc:AlternateContent xmlns:mc="http://schemas.openxmlformats.org/markup-compatibility/2006">
           <mc:Choice xmlns:p14="http://schemas.microsoft.com/office/powerpoint/2010/main" Requires="p14">
-            <p:contentPart p14:bwMode="auto" r:id="rId34">
+            <p:contentPart p14:bwMode="auto" r:id="rId23">
               <p14:nvContentPartPr>
                 <p14:cNvPr id="29" name="Tinta 28">
                   <a:extLst>
@@ -4764,7 +4850,7 @@
                 <p:nvPr/>
               </p:nvPicPr>
               <p:blipFill>
-                <a:blip r:embed="rId35"/>
+                <a:blip r:embed="rId24"/>
                 <a:stretch>
                   <a:fillRect/>
                 </a:stretch>
@@ -4773,6 +4859,1069 @@
                 <a:xfrm>
                   <a:off x="7109783" y="4456665"/>
                   <a:ext cx="21600" cy="18360"/>
+                </a:xfrm>
+                <a:prstGeom prst="rect">
+                  <a:avLst/>
+                </a:prstGeom>
+              </p:spPr>
+            </p:pic>
+          </mc:Fallback>
+        </mc:AlternateContent>
+      </p:grpSp>
+      <p:pic>
+        <p:nvPicPr>
+          <p:cNvPr id="34" name="Imagem 33">
+            <a:extLst>
+              <a:ext uri="{FF2B5EF4-FFF2-40B4-BE49-F238E27FC236}">
+                <a16:creationId xmlns:a16="http://schemas.microsoft.com/office/drawing/2014/main" id="{5C5004E8-D12E-0832-0080-53D2C3589D0D}"/>
+              </a:ext>
+            </a:extLst>
+          </p:cNvPr>
+          <p:cNvPicPr>
+            <a:picLocks noChangeAspect="1"/>
+          </p:cNvPicPr>
+          <p:nvPr/>
+        </p:nvPicPr>
+        <p:blipFill>
+          <a:blip r:embed="rId25"/>
+          <a:srcRect b="9451"/>
+          <a:stretch>
+            <a:fillRect/>
+          </a:stretch>
+        </p:blipFill>
+        <p:spPr>
+          <a:xfrm>
+            <a:off x="747153" y="622816"/>
+            <a:ext cx="3025036" cy="6209825"/>
+          </a:xfrm>
+          <a:prstGeom prst="rect">
+            <a:avLst/>
+          </a:prstGeom>
+        </p:spPr>
+      </p:pic>
+      <mc:AlternateContent xmlns:mc="http://schemas.openxmlformats.org/markup-compatibility/2006">
+        <mc:Choice xmlns:p14="http://schemas.microsoft.com/office/powerpoint/2010/main" Requires="p14">
+          <p:contentPart p14:bwMode="auto" r:id="rId26">
+            <p14:nvContentPartPr>
+              <p14:cNvPr id="35" name="Tinta 34">
+                <a:extLst>
+                  <a:ext uri="{FF2B5EF4-FFF2-40B4-BE49-F238E27FC236}">
+                    <a16:creationId xmlns:a16="http://schemas.microsoft.com/office/drawing/2014/main" id="{B9B3B0BF-617E-80BA-3EB0-1C9BC245CB3E}"/>
+                  </a:ext>
+                </a:extLst>
+              </p14:cNvPr>
+              <p14:cNvContentPartPr/>
+              <p14:nvPr/>
+            </p14:nvContentPartPr>
+            <p14:xfrm>
+              <a:off x="1819223" y="2689425"/>
+              <a:ext cx="524520" cy="117360"/>
+            </p14:xfrm>
+          </p:contentPart>
+        </mc:Choice>
+        <mc:Fallback>
+          <p:pic>
+            <p:nvPicPr>
+              <p:cNvPr id="35" name="Tinta 34">
+                <a:extLst>
+                  <a:ext uri="{FF2B5EF4-FFF2-40B4-BE49-F238E27FC236}">
+                    <a16:creationId xmlns:a16="http://schemas.microsoft.com/office/drawing/2014/main" id="{B9B3B0BF-617E-80BA-3EB0-1C9BC245CB3E}"/>
+                  </a:ext>
+                </a:extLst>
+              </p:cNvPr>
+              <p:cNvPicPr/>
+              <p:nvPr/>
+            </p:nvPicPr>
+            <p:blipFill>
+              <a:blip r:embed="rId27"/>
+              <a:stretch>
+                <a:fillRect/>
+              </a:stretch>
+            </p:blipFill>
+            <p:spPr>
+              <a:xfrm>
+                <a:off x="1813103" y="2683305"/>
+                <a:ext cx="536760" cy="129600"/>
+              </a:xfrm>
+              <a:prstGeom prst="rect">
+                <a:avLst/>
+              </a:prstGeom>
+            </p:spPr>
+          </p:pic>
+        </mc:Fallback>
+      </mc:AlternateContent>
+      <mc:AlternateContent xmlns:mc="http://schemas.openxmlformats.org/markup-compatibility/2006">
+        <mc:Choice xmlns:p14="http://schemas.microsoft.com/office/powerpoint/2010/main" Requires="p14">
+          <p:contentPart p14:bwMode="auto" r:id="rId28">
+            <p14:nvContentPartPr>
+              <p14:cNvPr id="36" name="Tinta 35">
+                <a:extLst>
+                  <a:ext uri="{FF2B5EF4-FFF2-40B4-BE49-F238E27FC236}">
+                    <a16:creationId xmlns:a16="http://schemas.microsoft.com/office/drawing/2014/main" id="{302599DE-DC37-F732-50AF-ABFD089627CE}"/>
+                  </a:ext>
+                </a:extLst>
+              </p14:cNvPr>
+              <p14:cNvContentPartPr/>
+              <p14:nvPr/>
+            </p14:nvContentPartPr>
+            <p14:xfrm>
+              <a:off x="7233623" y="1861065"/>
+              <a:ext cx="311760" cy="230040"/>
+            </p14:xfrm>
+          </p:contentPart>
+        </mc:Choice>
+        <mc:Fallback>
+          <p:pic>
+            <p:nvPicPr>
+              <p:cNvPr id="36" name="Tinta 35">
+                <a:extLst>
+                  <a:ext uri="{FF2B5EF4-FFF2-40B4-BE49-F238E27FC236}">
+                    <a16:creationId xmlns:a16="http://schemas.microsoft.com/office/drawing/2014/main" id="{302599DE-DC37-F732-50AF-ABFD089627CE}"/>
+                  </a:ext>
+                </a:extLst>
+              </p:cNvPr>
+              <p:cNvPicPr/>
+              <p:nvPr/>
+            </p:nvPicPr>
+            <p:blipFill>
+              <a:blip r:embed="rId29"/>
+              <a:stretch>
+                <a:fillRect/>
+              </a:stretch>
+            </p:blipFill>
+            <p:spPr>
+              <a:xfrm>
+                <a:off x="7227503" y="1854945"/>
+                <a:ext cx="324000" cy="242280"/>
+              </a:xfrm>
+              <a:prstGeom prst="rect">
+                <a:avLst/>
+              </a:prstGeom>
+            </p:spPr>
+          </p:pic>
+        </mc:Fallback>
+      </mc:AlternateContent>
+      <p:grpSp>
+        <p:nvGrpSpPr>
+          <p:cNvPr id="39" name="Agrupar 38">
+            <a:extLst>
+              <a:ext uri="{FF2B5EF4-FFF2-40B4-BE49-F238E27FC236}">
+                <a16:creationId xmlns:a16="http://schemas.microsoft.com/office/drawing/2014/main" id="{C9981625-435E-42A0-494C-15063662B72F}"/>
+              </a:ext>
+            </a:extLst>
+          </p:cNvPr>
+          <p:cNvGrpSpPr/>
+          <p:nvPr/>
+        </p:nvGrpSpPr>
+        <p:grpSpPr>
+          <a:xfrm>
+            <a:off x="1755863" y="3621105"/>
+            <a:ext cx="571320" cy="280800"/>
+            <a:chOff x="1755863" y="3621105"/>
+            <a:chExt cx="571320" cy="280800"/>
+          </a:xfrm>
+        </p:grpSpPr>
+        <mc:AlternateContent xmlns:mc="http://schemas.openxmlformats.org/markup-compatibility/2006">
+          <mc:Choice xmlns:p14="http://schemas.microsoft.com/office/powerpoint/2010/main" Requires="p14">
+            <p:contentPart p14:bwMode="auto" r:id="rId30">
+              <p14:nvContentPartPr>
+                <p14:cNvPr id="37" name="Tinta 36">
+                  <a:extLst>
+                    <a:ext uri="{FF2B5EF4-FFF2-40B4-BE49-F238E27FC236}">
+                      <a16:creationId xmlns:a16="http://schemas.microsoft.com/office/drawing/2014/main" id="{F3B68199-D46C-1944-27FB-8AD395E529C3}"/>
+                    </a:ext>
+                  </a:extLst>
+                </p14:cNvPr>
+                <p14:cNvContentPartPr/>
+                <p14:nvPr/>
+              </p14:nvContentPartPr>
+              <p14:xfrm>
+                <a:off x="2000663" y="3712545"/>
+                <a:ext cx="326520" cy="189360"/>
+              </p14:xfrm>
+            </p:contentPart>
+          </mc:Choice>
+          <mc:Fallback>
+            <p:pic>
+              <p:nvPicPr>
+                <p:cNvPr id="37" name="Tinta 36">
+                  <a:extLst>
+                    <a:ext uri="{FF2B5EF4-FFF2-40B4-BE49-F238E27FC236}">
+                      <a16:creationId xmlns:a16="http://schemas.microsoft.com/office/drawing/2014/main" id="{F3B68199-D46C-1944-27FB-8AD395E529C3}"/>
+                    </a:ext>
+                  </a:extLst>
+                </p:cNvPr>
+                <p:cNvPicPr/>
+                <p:nvPr/>
+              </p:nvPicPr>
+              <p:blipFill>
+                <a:blip r:embed="rId31"/>
+                <a:stretch>
+                  <a:fillRect/>
+                </a:stretch>
+              </p:blipFill>
+              <p:spPr>
+                <a:xfrm>
+                  <a:off x="1994543" y="3706425"/>
+                  <a:ext cx="338760" cy="201600"/>
+                </a:xfrm>
+                <a:prstGeom prst="rect">
+                  <a:avLst/>
+                </a:prstGeom>
+              </p:spPr>
+            </p:pic>
+          </mc:Fallback>
+        </mc:AlternateContent>
+        <mc:AlternateContent xmlns:mc="http://schemas.openxmlformats.org/markup-compatibility/2006">
+          <mc:Choice xmlns:p14="http://schemas.microsoft.com/office/powerpoint/2010/main" Requires="p14">
+            <p:contentPart p14:bwMode="auto" r:id="rId32">
+              <p14:nvContentPartPr>
+                <p14:cNvPr id="38" name="Tinta 37">
+                  <a:extLst>
+                    <a:ext uri="{FF2B5EF4-FFF2-40B4-BE49-F238E27FC236}">
+                      <a16:creationId xmlns:a16="http://schemas.microsoft.com/office/drawing/2014/main" id="{D7B35D8A-FB9D-84AC-D2B6-A45A1F5B59D6}"/>
+                    </a:ext>
+                  </a:extLst>
+                </p14:cNvPr>
+                <p14:cNvContentPartPr/>
+                <p14:nvPr/>
+              </p14:nvContentPartPr>
+              <p14:xfrm>
+                <a:off x="1755863" y="3621105"/>
+                <a:ext cx="379800" cy="45360"/>
+              </p14:xfrm>
+            </p:contentPart>
+          </mc:Choice>
+          <mc:Fallback>
+            <p:pic>
+              <p:nvPicPr>
+                <p:cNvPr id="38" name="Tinta 37">
+                  <a:extLst>
+                    <a:ext uri="{FF2B5EF4-FFF2-40B4-BE49-F238E27FC236}">
+                      <a16:creationId xmlns:a16="http://schemas.microsoft.com/office/drawing/2014/main" id="{D7B35D8A-FB9D-84AC-D2B6-A45A1F5B59D6}"/>
+                    </a:ext>
+                  </a:extLst>
+                </p:cNvPr>
+                <p:cNvPicPr/>
+                <p:nvPr/>
+              </p:nvPicPr>
+              <p:blipFill>
+                <a:blip r:embed="rId33"/>
+                <a:stretch>
+                  <a:fillRect/>
+                </a:stretch>
+              </p:blipFill>
+              <p:spPr>
+                <a:xfrm>
+                  <a:off x="1749743" y="3614985"/>
+                  <a:ext cx="392040" cy="57600"/>
+                </a:xfrm>
+                <a:prstGeom prst="rect">
+                  <a:avLst/>
+                </a:prstGeom>
+              </p:spPr>
+            </p:pic>
+          </mc:Fallback>
+        </mc:AlternateContent>
+      </p:grpSp>
+      <mc:AlternateContent xmlns:mc="http://schemas.openxmlformats.org/markup-compatibility/2006">
+        <mc:Choice xmlns:p14="http://schemas.microsoft.com/office/powerpoint/2010/main" Requires="p14">
+          <p:contentPart p14:bwMode="auto" r:id="rId34">
+            <p14:nvContentPartPr>
+              <p14:cNvPr id="40" name="Tinta 39">
+                <a:extLst>
+                  <a:ext uri="{FF2B5EF4-FFF2-40B4-BE49-F238E27FC236}">
+                    <a16:creationId xmlns:a16="http://schemas.microsoft.com/office/drawing/2014/main" id="{5F076FE2-8EA4-607A-9C2A-ACA8F92A79F3}"/>
+                  </a:ext>
+                </a:extLst>
+              </p14:cNvPr>
+              <p14:cNvContentPartPr/>
+              <p14:nvPr/>
+            </p14:nvContentPartPr>
+            <p14:xfrm>
+              <a:off x="1701503" y="1712385"/>
+              <a:ext cx="777960" cy="71280"/>
+            </p14:xfrm>
+          </p:contentPart>
+        </mc:Choice>
+        <mc:Fallback>
+          <p:pic>
+            <p:nvPicPr>
+              <p:cNvPr id="40" name="Tinta 39">
+                <a:extLst>
+                  <a:ext uri="{FF2B5EF4-FFF2-40B4-BE49-F238E27FC236}">
+                    <a16:creationId xmlns:a16="http://schemas.microsoft.com/office/drawing/2014/main" id="{5F076FE2-8EA4-607A-9C2A-ACA8F92A79F3}"/>
+                  </a:ext>
+                </a:extLst>
+              </p:cNvPr>
+              <p:cNvPicPr/>
+              <p:nvPr/>
+            </p:nvPicPr>
+            <p:blipFill>
+              <a:blip r:embed="rId35"/>
+              <a:stretch>
+                <a:fillRect/>
+              </a:stretch>
+            </p:blipFill>
+            <p:spPr>
+              <a:xfrm>
+                <a:off x="1695383" y="1706265"/>
+                <a:ext cx="790200" cy="83520"/>
+              </a:xfrm>
+              <a:prstGeom prst="rect">
+                <a:avLst/>
+              </a:prstGeom>
+            </p:spPr>
+          </p:pic>
+        </mc:Fallback>
+      </mc:AlternateContent>
+      <mc:AlternateContent xmlns:mc="http://schemas.openxmlformats.org/markup-compatibility/2006">
+        <mc:Choice xmlns:p14="http://schemas.microsoft.com/office/powerpoint/2010/main" Requires="p14">
+          <p:contentPart p14:bwMode="auto" r:id="rId36">
+            <p14:nvContentPartPr>
+              <p14:cNvPr id="41" name="Tinta 40">
+                <a:extLst>
+                  <a:ext uri="{FF2B5EF4-FFF2-40B4-BE49-F238E27FC236}">
+                    <a16:creationId xmlns:a16="http://schemas.microsoft.com/office/drawing/2014/main" id="{37219F1E-A35B-EB3D-2A59-EA3589D5FF92}"/>
+                  </a:ext>
+                </a:extLst>
+              </p14:cNvPr>
+              <p14:cNvContentPartPr/>
+              <p14:nvPr/>
+            </p14:nvContentPartPr>
+            <p14:xfrm>
+              <a:off x="7740143" y="2196945"/>
+              <a:ext cx="232200" cy="310680"/>
+            </p14:xfrm>
+          </p:contentPart>
+        </mc:Choice>
+        <mc:Fallback>
+          <p:pic>
+            <p:nvPicPr>
+              <p:cNvPr id="41" name="Tinta 40">
+                <a:extLst>
+                  <a:ext uri="{FF2B5EF4-FFF2-40B4-BE49-F238E27FC236}">
+                    <a16:creationId xmlns:a16="http://schemas.microsoft.com/office/drawing/2014/main" id="{37219F1E-A35B-EB3D-2A59-EA3589D5FF92}"/>
+                  </a:ext>
+                </a:extLst>
+              </p:cNvPr>
+              <p:cNvPicPr/>
+              <p:nvPr/>
+            </p:nvPicPr>
+            <p:blipFill>
+              <a:blip r:embed="rId37"/>
+              <a:stretch>
+                <a:fillRect/>
+              </a:stretch>
+            </p:blipFill>
+            <p:spPr>
+              <a:xfrm>
+                <a:off x="7734023" y="2190825"/>
+                <a:ext cx="244440" cy="322920"/>
+              </a:xfrm>
+              <a:prstGeom prst="rect">
+                <a:avLst/>
+              </a:prstGeom>
+            </p:spPr>
+          </p:pic>
+        </mc:Fallback>
+      </mc:AlternateContent>
+      <mc:AlternateContent xmlns:mc="http://schemas.openxmlformats.org/markup-compatibility/2006">
+        <mc:Choice xmlns:p14="http://schemas.microsoft.com/office/powerpoint/2010/main" Requires="p14">
+          <p:contentPart p14:bwMode="auto" r:id="rId38">
+            <p14:nvContentPartPr>
+              <p14:cNvPr id="42" name="Tinta 41">
+                <a:extLst>
+                  <a:ext uri="{FF2B5EF4-FFF2-40B4-BE49-F238E27FC236}">
+                    <a16:creationId xmlns:a16="http://schemas.microsoft.com/office/drawing/2014/main" id="{2B6B7929-11A0-E889-BDBA-F3E5E35BC116}"/>
+                  </a:ext>
+                </a:extLst>
+              </p14:cNvPr>
+              <p14:cNvContentPartPr/>
+              <p14:nvPr/>
+            </p14:nvContentPartPr>
+            <p14:xfrm>
+              <a:off x="2018663" y="1224585"/>
+              <a:ext cx="527040" cy="151560"/>
+            </p14:xfrm>
+          </p:contentPart>
+        </mc:Choice>
+        <mc:Fallback>
+          <p:pic>
+            <p:nvPicPr>
+              <p:cNvPr id="42" name="Tinta 41">
+                <a:extLst>
+                  <a:ext uri="{FF2B5EF4-FFF2-40B4-BE49-F238E27FC236}">
+                    <a16:creationId xmlns:a16="http://schemas.microsoft.com/office/drawing/2014/main" id="{2B6B7929-11A0-E889-BDBA-F3E5E35BC116}"/>
+                  </a:ext>
+                </a:extLst>
+              </p:cNvPr>
+              <p:cNvPicPr/>
+              <p:nvPr/>
+            </p:nvPicPr>
+            <p:blipFill>
+              <a:blip r:embed="rId39"/>
+              <a:stretch>
+                <a:fillRect/>
+              </a:stretch>
+            </p:blipFill>
+            <p:spPr>
+              <a:xfrm>
+                <a:off x="2012543" y="1218465"/>
+                <a:ext cx="539280" cy="163800"/>
+              </a:xfrm>
+              <a:prstGeom prst="rect">
+                <a:avLst/>
+              </a:prstGeom>
+            </p:spPr>
+          </p:pic>
+        </mc:Fallback>
+      </mc:AlternateContent>
+      <mc:AlternateContent xmlns:mc="http://schemas.openxmlformats.org/markup-compatibility/2006">
+        <mc:Choice xmlns:p14="http://schemas.microsoft.com/office/powerpoint/2010/main" Requires="p14">
+          <p:contentPart p14:bwMode="auto" r:id="rId40">
+            <p14:nvContentPartPr>
+              <p14:cNvPr id="43" name="Tinta 42">
+                <a:extLst>
+                  <a:ext uri="{FF2B5EF4-FFF2-40B4-BE49-F238E27FC236}">
+                    <a16:creationId xmlns:a16="http://schemas.microsoft.com/office/drawing/2014/main" id="{22369EE9-14E8-5858-3BFA-9541374C4E03}"/>
+                  </a:ext>
+                </a:extLst>
+              </p14:cNvPr>
+              <p14:cNvContentPartPr/>
+              <p14:nvPr/>
+            </p14:nvContentPartPr>
+            <p14:xfrm>
+              <a:off x="7541063" y="2603745"/>
+              <a:ext cx="430560" cy="157680"/>
+            </p14:xfrm>
+          </p:contentPart>
+        </mc:Choice>
+        <mc:Fallback>
+          <p:pic>
+            <p:nvPicPr>
+              <p:cNvPr id="43" name="Tinta 42">
+                <a:extLst>
+                  <a:ext uri="{FF2B5EF4-FFF2-40B4-BE49-F238E27FC236}">
+                    <a16:creationId xmlns:a16="http://schemas.microsoft.com/office/drawing/2014/main" id="{22369EE9-14E8-5858-3BFA-9541374C4E03}"/>
+                  </a:ext>
+                </a:extLst>
+              </p:cNvPr>
+              <p:cNvPicPr/>
+              <p:nvPr/>
+            </p:nvPicPr>
+            <p:blipFill>
+              <a:blip r:embed="rId41"/>
+              <a:stretch>
+                <a:fillRect/>
+              </a:stretch>
+            </p:blipFill>
+            <p:spPr>
+              <a:xfrm>
+                <a:off x="7534943" y="2597625"/>
+                <a:ext cx="442800" cy="169920"/>
+              </a:xfrm>
+              <a:prstGeom prst="rect">
+                <a:avLst/>
+              </a:prstGeom>
+            </p:spPr>
+          </p:pic>
+        </mc:Fallback>
+      </mc:AlternateContent>
+      <mc:AlternateContent xmlns:mc="http://schemas.openxmlformats.org/markup-compatibility/2006">
+        <mc:Choice xmlns:p14="http://schemas.microsoft.com/office/powerpoint/2010/main" Requires="p14">
+          <p:contentPart p14:bwMode="auto" r:id="rId42">
+            <p14:nvContentPartPr>
+              <p14:cNvPr id="44" name="Tinta 43">
+                <a:extLst>
+                  <a:ext uri="{FF2B5EF4-FFF2-40B4-BE49-F238E27FC236}">
+                    <a16:creationId xmlns:a16="http://schemas.microsoft.com/office/drawing/2014/main" id="{6C0414A9-1B1D-21EA-4135-EC39FBAD04E0}"/>
+                  </a:ext>
+                </a:extLst>
+              </p14:cNvPr>
+              <p14:cNvContentPartPr/>
+              <p14:nvPr/>
+            </p14:nvContentPartPr>
+            <p14:xfrm>
+              <a:off x="2190383" y="4980465"/>
+              <a:ext cx="317520" cy="116280"/>
+            </p14:xfrm>
+          </p:contentPart>
+        </mc:Choice>
+        <mc:Fallback>
+          <p:pic>
+            <p:nvPicPr>
+              <p:cNvPr id="44" name="Tinta 43">
+                <a:extLst>
+                  <a:ext uri="{FF2B5EF4-FFF2-40B4-BE49-F238E27FC236}">
+                    <a16:creationId xmlns:a16="http://schemas.microsoft.com/office/drawing/2014/main" id="{6C0414A9-1B1D-21EA-4135-EC39FBAD04E0}"/>
+                  </a:ext>
+                </a:extLst>
+              </p:cNvPr>
+              <p:cNvPicPr/>
+              <p:nvPr/>
+            </p:nvPicPr>
+            <p:blipFill>
+              <a:blip r:embed="rId43"/>
+              <a:stretch>
+                <a:fillRect/>
+              </a:stretch>
+            </p:blipFill>
+            <p:spPr>
+              <a:xfrm>
+                <a:off x="2184263" y="4974345"/>
+                <a:ext cx="329760" cy="128520"/>
+              </a:xfrm>
+              <a:prstGeom prst="rect">
+                <a:avLst/>
+              </a:prstGeom>
+            </p:spPr>
+          </p:pic>
+        </mc:Fallback>
+      </mc:AlternateContent>
+      <mc:AlternateContent xmlns:mc="http://schemas.openxmlformats.org/markup-compatibility/2006">
+        <mc:Choice xmlns:p14="http://schemas.microsoft.com/office/powerpoint/2010/main" Requires="p14">
+          <p:contentPart p14:bwMode="auto" r:id="rId44">
+            <p14:nvContentPartPr>
+              <p14:cNvPr id="45" name="Tinta 44">
+                <a:extLst>
+                  <a:ext uri="{FF2B5EF4-FFF2-40B4-BE49-F238E27FC236}">
+                    <a16:creationId xmlns:a16="http://schemas.microsoft.com/office/drawing/2014/main" id="{E1825E2E-8157-44E5-385D-DC6A3A83DAF3}"/>
+                  </a:ext>
+                </a:extLst>
+              </p14:cNvPr>
+              <p14:cNvContentPartPr/>
+              <p14:nvPr/>
+            </p14:nvContentPartPr>
+            <p14:xfrm>
+              <a:off x="7468703" y="2800305"/>
+              <a:ext cx="392040" cy="151200"/>
+            </p14:xfrm>
+          </p:contentPart>
+        </mc:Choice>
+        <mc:Fallback>
+          <p:pic>
+            <p:nvPicPr>
+              <p:cNvPr id="45" name="Tinta 44">
+                <a:extLst>
+                  <a:ext uri="{FF2B5EF4-FFF2-40B4-BE49-F238E27FC236}">
+                    <a16:creationId xmlns:a16="http://schemas.microsoft.com/office/drawing/2014/main" id="{E1825E2E-8157-44E5-385D-DC6A3A83DAF3}"/>
+                  </a:ext>
+                </a:extLst>
+              </p:cNvPr>
+              <p:cNvPicPr/>
+              <p:nvPr/>
+            </p:nvPicPr>
+            <p:blipFill>
+              <a:blip r:embed="rId45"/>
+              <a:stretch>
+                <a:fillRect/>
+              </a:stretch>
+            </p:blipFill>
+            <p:spPr>
+              <a:xfrm>
+                <a:off x="7462583" y="2794185"/>
+                <a:ext cx="404280" cy="163440"/>
+              </a:xfrm>
+              <a:prstGeom prst="rect">
+                <a:avLst/>
+              </a:prstGeom>
+            </p:spPr>
+          </p:pic>
+        </mc:Fallback>
+      </mc:AlternateContent>
+      <mc:AlternateContent xmlns:mc="http://schemas.openxmlformats.org/markup-compatibility/2006">
+        <mc:Choice xmlns:p14="http://schemas.microsoft.com/office/powerpoint/2010/main" Requires="p14">
+          <p:contentPart p14:bwMode="auto" r:id="rId46">
+            <p14:nvContentPartPr>
+              <p14:cNvPr id="46" name="Tinta 45">
+                <a:extLst>
+                  <a:ext uri="{FF2B5EF4-FFF2-40B4-BE49-F238E27FC236}">
+                    <a16:creationId xmlns:a16="http://schemas.microsoft.com/office/drawing/2014/main" id="{9344CBD5-DA19-5699-5BD0-2BB543D02860}"/>
+                  </a:ext>
+                </a:extLst>
+              </p14:cNvPr>
+              <p14:cNvContentPartPr/>
+              <p14:nvPr/>
+            </p14:nvContentPartPr>
+            <p14:xfrm>
+              <a:off x="2362463" y="4741065"/>
+              <a:ext cx="304920" cy="156960"/>
+            </p14:xfrm>
+          </p:contentPart>
+        </mc:Choice>
+        <mc:Fallback>
+          <p:pic>
+            <p:nvPicPr>
+              <p:cNvPr id="46" name="Tinta 45">
+                <a:extLst>
+                  <a:ext uri="{FF2B5EF4-FFF2-40B4-BE49-F238E27FC236}">
+                    <a16:creationId xmlns:a16="http://schemas.microsoft.com/office/drawing/2014/main" id="{9344CBD5-DA19-5699-5BD0-2BB543D02860}"/>
+                  </a:ext>
+                </a:extLst>
+              </p:cNvPr>
+              <p:cNvPicPr/>
+              <p:nvPr/>
+            </p:nvPicPr>
+            <p:blipFill>
+              <a:blip r:embed="rId47"/>
+              <a:stretch>
+                <a:fillRect/>
+              </a:stretch>
+            </p:blipFill>
+            <p:spPr>
+              <a:xfrm>
+                <a:off x="2356343" y="4734945"/>
+                <a:ext cx="317160" cy="169200"/>
+              </a:xfrm>
+              <a:prstGeom prst="rect">
+                <a:avLst/>
+              </a:prstGeom>
+            </p:spPr>
+          </p:pic>
+        </mc:Fallback>
+      </mc:AlternateContent>
+      <mc:AlternateContent xmlns:mc="http://schemas.openxmlformats.org/markup-compatibility/2006">
+        <mc:Choice xmlns:p14="http://schemas.microsoft.com/office/powerpoint/2010/main" Requires="p14">
+          <p:contentPart p14:bwMode="auto" r:id="rId48">
+            <p14:nvContentPartPr>
+              <p14:cNvPr id="47" name="Tinta 46">
+                <a:extLst>
+                  <a:ext uri="{FF2B5EF4-FFF2-40B4-BE49-F238E27FC236}">
+                    <a16:creationId xmlns:a16="http://schemas.microsoft.com/office/drawing/2014/main" id="{2F5F32EF-4423-43EF-2BD7-092264633715}"/>
+                  </a:ext>
+                </a:extLst>
+              </p14:cNvPr>
+              <p14:cNvContentPartPr/>
+              <p14:nvPr/>
+            </p14:nvContentPartPr>
+            <p14:xfrm>
+              <a:off x="7541063" y="3339945"/>
+              <a:ext cx="370080" cy="200160"/>
+            </p14:xfrm>
+          </p:contentPart>
+        </mc:Choice>
+        <mc:Fallback>
+          <p:pic>
+            <p:nvPicPr>
+              <p:cNvPr id="47" name="Tinta 46">
+                <a:extLst>
+                  <a:ext uri="{FF2B5EF4-FFF2-40B4-BE49-F238E27FC236}">
+                    <a16:creationId xmlns:a16="http://schemas.microsoft.com/office/drawing/2014/main" id="{2F5F32EF-4423-43EF-2BD7-092264633715}"/>
+                  </a:ext>
+                </a:extLst>
+              </p:cNvPr>
+              <p:cNvPicPr/>
+              <p:nvPr/>
+            </p:nvPicPr>
+            <p:blipFill>
+              <a:blip r:embed="rId49"/>
+              <a:stretch>
+                <a:fillRect/>
+              </a:stretch>
+            </p:blipFill>
+            <p:spPr>
+              <a:xfrm>
+                <a:off x="7534943" y="3333825"/>
+                <a:ext cx="382320" cy="212400"/>
+              </a:xfrm>
+              <a:prstGeom prst="rect">
+                <a:avLst/>
+              </a:prstGeom>
+            </p:spPr>
+          </p:pic>
+        </mc:Fallback>
+      </mc:AlternateContent>
+      <mc:AlternateContent xmlns:mc="http://schemas.openxmlformats.org/markup-compatibility/2006">
+        <mc:Choice xmlns:p14="http://schemas.microsoft.com/office/powerpoint/2010/main" Requires="p14">
+          <p:contentPart p14:bwMode="auto" r:id="rId50">
+            <p14:nvContentPartPr>
+              <p14:cNvPr id="48" name="Tinta 47">
+                <a:extLst>
+                  <a:ext uri="{FF2B5EF4-FFF2-40B4-BE49-F238E27FC236}">
+                    <a16:creationId xmlns:a16="http://schemas.microsoft.com/office/drawing/2014/main" id="{DC4D2DAD-2BC0-5DAD-B1D7-41DE64FD7431}"/>
+                  </a:ext>
+                </a:extLst>
+              </p14:cNvPr>
+              <p14:cNvContentPartPr/>
+              <p14:nvPr/>
+            </p14:nvContentPartPr>
+            <p14:xfrm>
+              <a:off x="2190383" y="1016865"/>
+              <a:ext cx="355320" cy="151200"/>
+            </p14:xfrm>
+          </p:contentPart>
+        </mc:Choice>
+        <mc:Fallback>
+          <p:pic>
+            <p:nvPicPr>
+              <p:cNvPr id="48" name="Tinta 47">
+                <a:extLst>
+                  <a:ext uri="{FF2B5EF4-FFF2-40B4-BE49-F238E27FC236}">
+                    <a16:creationId xmlns:a16="http://schemas.microsoft.com/office/drawing/2014/main" id="{DC4D2DAD-2BC0-5DAD-B1D7-41DE64FD7431}"/>
+                  </a:ext>
+                </a:extLst>
+              </p:cNvPr>
+              <p:cNvPicPr/>
+              <p:nvPr/>
+            </p:nvPicPr>
+            <p:blipFill>
+              <a:blip r:embed="rId51"/>
+              <a:stretch>
+                <a:fillRect/>
+              </a:stretch>
+            </p:blipFill>
+            <p:spPr>
+              <a:xfrm>
+                <a:off x="2184263" y="1010745"/>
+                <a:ext cx="367560" cy="163440"/>
+              </a:xfrm>
+              <a:prstGeom prst="rect">
+                <a:avLst/>
+              </a:prstGeom>
+            </p:spPr>
+          </p:pic>
+        </mc:Fallback>
+      </mc:AlternateContent>
+      <mc:AlternateContent xmlns:mc="http://schemas.openxmlformats.org/markup-compatibility/2006">
+        <mc:Choice xmlns:p14="http://schemas.microsoft.com/office/powerpoint/2010/main" Requires="p14">
+          <p:contentPart p14:bwMode="auto" r:id="rId52">
+            <p14:nvContentPartPr>
+              <p14:cNvPr id="49" name="Tinta 48">
+                <a:extLst>
+                  <a:ext uri="{FF2B5EF4-FFF2-40B4-BE49-F238E27FC236}">
+                    <a16:creationId xmlns:a16="http://schemas.microsoft.com/office/drawing/2014/main" id="{380A76EC-3E4D-5969-7934-BBED6D18AD6E}"/>
+                  </a:ext>
+                </a:extLst>
+              </p14:cNvPr>
+              <p14:cNvContentPartPr/>
+              <p14:nvPr/>
+            </p14:nvContentPartPr>
+            <p14:xfrm>
+              <a:off x="7468703" y="3569625"/>
+              <a:ext cx="392400" cy="214560"/>
+            </p14:xfrm>
+          </p:contentPart>
+        </mc:Choice>
+        <mc:Fallback>
+          <p:pic>
+            <p:nvPicPr>
+              <p:cNvPr id="49" name="Tinta 48">
+                <a:extLst>
+                  <a:ext uri="{FF2B5EF4-FFF2-40B4-BE49-F238E27FC236}">
+                    <a16:creationId xmlns:a16="http://schemas.microsoft.com/office/drawing/2014/main" id="{380A76EC-3E4D-5969-7934-BBED6D18AD6E}"/>
+                  </a:ext>
+                </a:extLst>
+              </p:cNvPr>
+              <p:cNvPicPr/>
+              <p:nvPr/>
+            </p:nvPicPr>
+            <p:blipFill>
+              <a:blip r:embed="rId53"/>
+              <a:stretch>
+                <a:fillRect/>
+              </a:stretch>
+            </p:blipFill>
+            <p:spPr>
+              <a:xfrm>
+                <a:off x="7462583" y="3563505"/>
+                <a:ext cx="404640" cy="226800"/>
+              </a:xfrm>
+              <a:prstGeom prst="rect">
+                <a:avLst/>
+              </a:prstGeom>
+            </p:spPr>
+          </p:pic>
+        </mc:Fallback>
+      </mc:AlternateContent>
+      <mc:AlternateContent xmlns:mc="http://schemas.openxmlformats.org/markup-compatibility/2006">
+        <mc:Choice xmlns:p14="http://schemas.microsoft.com/office/powerpoint/2010/main" Requires="p14">
+          <p:contentPart p14:bwMode="auto" r:id="rId54">
+            <p14:nvContentPartPr>
+              <p14:cNvPr id="50" name="Tinta 49">
+                <a:extLst>
+                  <a:ext uri="{FF2B5EF4-FFF2-40B4-BE49-F238E27FC236}">
+                    <a16:creationId xmlns:a16="http://schemas.microsoft.com/office/drawing/2014/main" id="{01944BC1-880E-3DFA-FB69-D537DA0A4762}"/>
+                  </a:ext>
+                </a:extLst>
+              </p14:cNvPr>
+              <p14:cNvContentPartPr/>
+              <p14:nvPr/>
+            </p14:nvContentPartPr>
+            <p14:xfrm>
+              <a:off x="1810223" y="5758785"/>
+              <a:ext cx="362880" cy="171360"/>
+            </p14:xfrm>
+          </p:contentPart>
+        </mc:Choice>
+        <mc:Fallback>
+          <p:pic>
+            <p:nvPicPr>
+              <p:cNvPr id="50" name="Tinta 49">
+                <a:extLst>
+                  <a:ext uri="{FF2B5EF4-FFF2-40B4-BE49-F238E27FC236}">
+                    <a16:creationId xmlns:a16="http://schemas.microsoft.com/office/drawing/2014/main" id="{01944BC1-880E-3DFA-FB69-D537DA0A4762}"/>
+                  </a:ext>
+                </a:extLst>
+              </p:cNvPr>
+              <p:cNvPicPr/>
+              <p:nvPr/>
+            </p:nvPicPr>
+            <p:blipFill>
+              <a:blip r:embed="rId55"/>
+              <a:stretch>
+                <a:fillRect/>
+              </a:stretch>
+            </p:blipFill>
+            <p:spPr>
+              <a:xfrm>
+                <a:off x="1804103" y="5752665"/>
+                <a:ext cx="375120" cy="183600"/>
+              </a:xfrm>
+              <a:prstGeom prst="rect">
+                <a:avLst/>
+              </a:prstGeom>
+            </p:spPr>
+          </p:pic>
+        </mc:Fallback>
+      </mc:AlternateContent>
+      <p:grpSp>
+        <p:nvGrpSpPr>
+          <p:cNvPr id="53" name="Agrupar 52">
+            <a:extLst>
+              <a:ext uri="{FF2B5EF4-FFF2-40B4-BE49-F238E27FC236}">
+                <a16:creationId xmlns:a16="http://schemas.microsoft.com/office/drawing/2014/main" id="{772AEF43-5D55-CC26-E218-46CE37385F37}"/>
+              </a:ext>
+            </a:extLst>
+          </p:cNvPr>
+          <p:cNvGrpSpPr/>
+          <p:nvPr/>
+        </p:nvGrpSpPr>
+        <p:grpSpPr>
+          <a:xfrm>
+            <a:off x="1638143" y="4339305"/>
+            <a:ext cx="482760" cy="368640"/>
+            <a:chOff x="1638143" y="4339305"/>
+            <a:chExt cx="482760" cy="368640"/>
+          </a:xfrm>
+        </p:grpSpPr>
+        <mc:AlternateContent xmlns:mc="http://schemas.openxmlformats.org/markup-compatibility/2006">
+          <mc:Choice xmlns:p14="http://schemas.microsoft.com/office/powerpoint/2010/main" Requires="p14">
+            <p:contentPart p14:bwMode="auto" r:id="rId56">
+              <p14:nvContentPartPr>
+                <p14:cNvPr id="51" name="Tinta 50">
+                  <a:extLst>
+                    <a:ext uri="{FF2B5EF4-FFF2-40B4-BE49-F238E27FC236}">
+                      <a16:creationId xmlns:a16="http://schemas.microsoft.com/office/drawing/2014/main" id="{E7BCCA97-1222-FF9C-9E91-90241230B802}"/>
+                    </a:ext>
+                  </a:extLst>
+                </p14:cNvPr>
+                <p14:cNvContentPartPr/>
+                <p14:nvPr/>
+              </p14:nvContentPartPr>
+              <p14:xfrm>
+                <a:off x="1638143" y="4339305"/>
+                <a:ext cx="437400" cy="123840"/>
+              </p14:xfrm>
+            </p:contentPart>
+          </mc:Choice>
+          <mc:Fallback>
+            <p:pic>
+              <p:nvPicPr>
+                <p:cNvPr id="51" name="Tinta 50">
+                  <a:extLst>
+                    <a:ext uri="{FF2B5EF4-FFF2-40B4-BE49-F238E27FC236}">
+                      <a16:creationId xmlns:a16="http://schemas.microsoft.com/office/drawing/2014/main" id="{E7BCCA97-1222-FF9C-9E91-90241230B802}"/>
+                    </a:ext>
+                  </a:extLst>
+                </p:cNvPr>
+                <p:cNvPicPr/>
+                <p:nvPr/>
+              </p:nvPicPr>
+              <p:blipFill>
+                <a:blip r:embed="rId57"/>
+                <a:stretch>
+                  <a:fillRect/>
+                </a:stretch>
+              </p:blipFill>
+              <p:spPr>
+                <a:xfrm>
+                  <a:off x="1632023" y="4333185"/>
+                  <a:ext cx="449640" cy="136080"/>
+                </a:xfrm>
+                <a:prstGeom prst="rect">
+                  <a:avLst/>
+                </a:prstGeom>
+              </p:spPr>
+            </p:pic>
+          </mc:Fallback>
+        </mc:AlternateContent>
+        <mc:AlternateContent xmlns:mc="http://schemas.openxmlformats.org/markup-compatibility/2006">
+          <mc:Choice xmlns:p14="http://schemas.microsoft.com/office/powerpoint/2010/main" Requires="p14">
+            <p:contentPart p14:bwMode="auto" r:id="rId58">
+              <p14:nvContentPartPr>
+                <p14:cNvPr id="52" name="Tinta 51">
+                  <a:extLst>
+                    <a:ext uri="{FF2B5EF4-FFF2-40B4-BE49-F238E27FC236}">
+                      <a16:creationId xmlns:a16="http://schemas.microsoft.com/office/drawing/2014/main" id="{49D13696-0D18-6482-5A9D-A598FF6683BB}"/>
+                    </a:ext>
+                  </a:extLst>
+                </p14:cNvPr>
+                <p14:cNvContentPartPr/>
+                <p14:nvPr/>
+              </p14:nvContentPartPr>
+              <p14:xfrm>
+                <a:off x="1683863" y="4547745"/>
+                <a:ext cx="437040" cy="160200"/>
+              </p14:xfrm>
+            </p:contentPart>
+          </mc:Choice>
+          <mc:Fallback>
+            <p:pic>
+              <p:nvPicPr>
+                <p:cNvPr id="52" name="Tinta 51">
+                  <a:extLst>
+                    <a:ext uri="{FF2B5EF4-FFF2-40B4-BE49-F238E27FC236}">
+                      <a16:creationId xmlns:a16="http://schemas.microsoft.com/office/drawing/2014/main" id="{49D13696-0D18-6482-5A9D-A598FF6683BB}"/>
+                    </a:ext>
+                  </a:extLst>
+                </p:cNvPr>
+                <p:cNvPicPr/>
+                <p:nvPr/>
+              </p:nvPicPr>
+              <p:blipFill>
+                <a:blip r:embed="rId59"/>
+                <a:stretch>
+                  <a:fillRect/>
+                </a:stretch>
+              </p:blipFill>
+              <p:spPr>
+                <a:xfrm>
+                  <a:off x="1677743" y="4541625"/>
+                  <a:ext cx="449280" cy="172440"/>
+                </a:xfrm>
+                <a:prstGeom prst="rect">
+                  <a:avLst/>
+                </a:prstGeom>
+              </p:spPr>
+            </p:pic>
+          </mc:Fallback>
+        </mc:AlternateContent>
+      </p:grpSp>
+      <p:grpSp>
+        <p:nvGrpSpPr>
+          <p:cNvPr id="56" name="Agrupar 55">
+            <a:extLst>
+              <a:ext uri="{FF2B5EF4-FFF2-40B4-BE49-F238E27FC236}">
+                <a16:creationId xmlns:a16="http://schemas.microsoft.com/office/drawing/2014/main" id="{6E36812B-93F4-1700-20B8-20A0EAFCA12E}"/>
+              </a:ext>
+            </a:extLst>
+          </p:cNvPr>
+          <p:cNvGrpSpPr/>
+          <p:nvPr/>
+        </p:nvGrpSpPr>
+        <p:grpSpPr>
+          <a:xfrm>
+            <a:off x="1719503" y="5344065"/>
+            <a:ext cx="663480" cy="368640"/>
+            <a:chOff x="1719503" y="5344065"/>
+            <a:chExt cx="663480" cy="368640"/>
+          </a:xfrm>
+        </p:grpSpPr>
+        <mc:AlternateContent xmlns:mc="http://schemas.openxmlformats.org/markup-compatibility/2006">
+          <mc:Choice xmlns:p14="http://schemas.microsoft.com/office/powerpoint/2010/main" Requires="p14">
+            <p:contentPart p14:bwMode="auto" r:id="rId60">
+              <p14:nvContentPartPr>
+                <p14:cNvPr id="54" name="Tinta 53">
+                  <a:extLst>
+                    <a:ext uri="{FF2B5EF4-FFF2-40B4-BE49-F238E27FC236}">
+                      <a16:creationId xmlns:a16="http://schemas.microsoft.com/office/drawing/2014/main" id="{68955C7C-97DB-2AF9-43F8-398322BC7CD6}"/>
+                    </a:ext>
+                  </a:extLst>
+                </p14:cNvPr>
+                <p14:cNvContentPartPr/>
+                <p14:nvPr/>
+              </p14:nvContentPartPr>
+              <p14:xfrm>
+                <a:off x="1927943" y="5344065"/>
+                <a:ext cx="455040" cy="160200"/>
+              </p14:xfrm>
+            </p:contentPart>
+          </mc:Choice>
+          <mc:Fallback>
+            <p:pic>
+              <p:nvPicPr>
+                <p:cNvPr id="54" name="Tinta 53">
+                  <a:extLst>
+                    <a:ext uri="{FF2B5EF4-FFF2-40B4-BE49-F238E27FC236}">
+                      <a16:creationId xmlns:a16="http://schemas.microsoft.com/office/drawing/2014/main" id="{68955C7C-97DB-2AF9-43F8-398322BC7CD6}"/>
+                    </a:ext>
+                  </a:extLst>
+                </p:cNvPr>
+                <p:cNvPicPr/>
+                <p:nvPr/>
+              </p:nvPicPr>
+              <p:blipFill>
+                <a:blip r:embed="rId61"/>
+                <a:stretch>
+                  <a:fillRect/>
+                </a:stretch>
+              </p:blipFill>
+              <p:spPr>
+                <a:xfrm>
+                  <a:off x="1921823" y="5337945"/>
+                  <a:ext cx="467280" cy="172440"/>
+                </a:xfrm>
+                <a:prstGeom prst="rect">
+                  <a:avLst/>
+                </a:prstGeom>
+              </p:spPr>
+            </p:pic>
+          </mc:Fallback>
+        </mc:AlternateContent>
+        <mc:AlternateContent xmlns:mc="http://schemas.openxmlformats.org/markup-compatibility/2006">
+          <mc:Choice xmlns:p14="http://schemas.microsoft.com/office/powerpoint/2010/main" Requires="p14">
+            <p:contentPart p14:bwMode="auto" r:id="rId62">
+              <p14:nvContentPartPr>
+                <p14:cNvPr id="55" name="Tinta 54">
+                  <a:extLst>
+                    <a:ext uri="{FF2B5EF4-FFF2-40B4-BE49-F238E27FC236}">
+                      <a16:creationId xmlns:a16="http://schemas.microsoft.com/office/drawing/2014/main" id="{B9F15707-E158-41B5-9DEC-A8B82374B4D3}"/>
+                    </a:ext>
+                  </a:extLst>
+                </p14:cNvPr>
+                <p14:cNvContentPartPr/>
+                <p14:nvPr/>
+              </p14:nvContentPartPr>
+              <p14:xfrm>
+                <a:off x="1719503" y="5496345"/>
+                <a:ext cx="426240" cy="216360"/>
+              </p14:xfrm>
+            </p:contentPart>
+          </mc:Choice>
+          <mc:Fallback>
+            <p:pic>
+              <p:nvPicPr>
+                <p:cNvPr id="55" name="Tinta 54">
+                  <a:extLst>
+                    <a:ext uri="{FF2B5EF4-FFF2-40B4-BE49-F238E27FC236}">
+                      <a16:creationId xmlns:a16="http://schemas.microsoft.com/office/drawing/2014/main" id="{B9F15707-E158-41B5-9DEC-A8B82374B4D3}"/>
+                    </a:ext>
+                  </a:extLst>
+                </p:cNvPr>
+                <p:cNvPicPr/>
+                <p:nvPr/>
+              </p:nvPicPr>
+              <p:blipFill>
+                <a:blip r:embed="rId63"/>
+                <a:stretch>
+                  <a:fillRect/>
+                </a:stretch>
+              </p:blipFill>
+              <p:spPr>
+                <a:xfrm>
+                  <a:off x="1713383" y="5490225"/>
+                  <a:ext cx="438480" cy="228600"/>
                 </a:xfrm>
                 <a:prstGeom prst="rect">
                   <a:avLst/>
